--- a/examples/basic/test.pptx
+++ b/examples/basic/test.pptx
@@ -53,7 +53,7 @@
       </p:grpSpPr>
       <p:sp>
         <p:nvSpPr>
-          <p:cNvPr id="26" name="PlaceHolder 1"/>
+          <p:cNvPr id="23" name="PlaceHolder 1"/>
           <p:cNvSpPr>
             <a:spLocks noGrp="1"/>
           </p:cNvSpPr>
@@ -64,7 +64,7 @@
         <p:spPr>
           <a:xfrm>
             <a:off x="504000" y="226080"/>
-            <a:ext cx="9071640" cy="946440"/>
+            <a:ext cx="9070920" cy="945720"/>
           </a:xfrm>
           <a:prstGeom prst="rect">
             <a:avLst/>
@@ -82,7 +82,7 @@
       </p:sp>
       <p:sp>
         <p:nvSpPr>
-          <p:cNvPr id="27" name="PlaceHolder 2"/>
+          <p:cNvPr id="24" name="PlaceHolder 2"/>
           <p:cNvSpPr>
             <a:spLocks noGrp="1"/>
           </p:cNvSpPr>
@@ -112,7 +112,7 @@
       </p:sp>
       <p:sp>
         <p:nvSpPr>
-          <p:cNvPr id="28" name="PlaceHolder 3"/>
+          <p:cNvPr id="25" name="PlaceHolder 3"/>
           <p:cNvSpPr>
             <a:spLocks noGrp="1"/>
           </p:cNvSpPr>
@@ -164,7 +164,7 @@
       </p:grpSpPr>
       <p:sp>
         <p:nvSpPr>
-          <p:cNvPr id="29" name="PlaceHolder 1"/>
+          <p:cNvPr id="26" name="PlaceHolder 1"/>
           <p:cNvSpPr>
             <a:spLocks noGrp="1"/>
           </p:cNvSpPr>
@@ -175,7 +175,7 @@
         <p:spPr>
           <a:xfrm>
             <a:off x="504000" y="226080"/>
-            <a:ext cx="9071640" cy="946440"/>
+            <a:ext cx="9070920" cy="945720"/>
           </a:xfrm>
           <a:prstGeom prst="rect">
             <a:avLst/>
@@ -193,7 +193,7 @@
       </p:sp>
       <p:sp>
         <p:nvSpPr>
-          <p:cNvPr id="30" name="PlaceHolder 2"/>
+          <p:cNvPr id="27" name="PlaceHolder 2"/>
           <p:cNvSpPr>
             <a:spLocks noGrp="1"/>
           </p:cNvSpPr>
@@ -223,7 +223,7 @@
       </p:sp>
       <p:sp>
         <p:nvSpPr>
-          <p:cNvPr id="31" name="PlaceHolder 3"/>
+          <p:cNvPr id="28" name="PlaceHolder 3"/>
           <p:cNvSpPr>
             <a:spLocks noGrp="1"/>
           </p:cNvSpPr>
@@ -253,7 +253,7 @@
       </p:sp>
       <p:sp>
         <p:nvSpPr>
-          <p:cNvPr id="32" name="PlaceHolder 4"/>
+          <p:cNvPr id="29" name="PlaceHolder 4"/>
           <p:cNvSpPr>
             <a:spLocks noGrp="1"/>
           </p:cNvSpPr>
@@ -283,7 +283,7 @@
       </p:sp>
       <p:sp>
         <p:nvSpPr>
-          <p:cNvPr id="33" name="PlaceHolder 5"/>
+          <p:cNvPr id="30" name="PlaceHolder 5"/>
           <p:cNvSpPr>
             <a:spLocks noGrp="1"/>
           </p:cNvSpPr>
@@ -335,7 +335,7 @@
       </p:grpSpPr>
       <p:sp>
         <p:nvSpPr>
-          <p:cNvPr id="34" name="PlaceHolder 1"/>
+          <p:cNvPr id="31" name="PlaceHolder 1"/>
           <p:cNvSpPr>
             <a:spLocks noGrp="1"/>
           </p:cNvSpPr>
@@ -346,7 +346,7 @@
         <p:spPr>
           <a:xfrm>
             <a:off x="504000" y="226080"/>
-            <a:ext cx="9071640" cy="946440"/>
+            <a:ext cx="9070920" cy="945720"/>
           </a:xfrm>
           <a:prstGeom prst="rect">
             <a:avLst/>
@@ -364,7 +364,7 @@
       </p:sp>
       <p:sp>
         <p:nvSpPr>
-          <p:cNvPr id="35" name="PlaceHolder 2"/>
+          <p:cNvPr id="32" name="PlaceHolder 2"/>
           <p:cNvSpPr>
             <a:spLocks noGrp="1"/>
           </p:cNvSpPr>
@@ -394,7 +394,7 @@
       </p:sp>
       <p:sp>
         <p:nvSpPr>
-          <p:cNvPr id="36" name="PlaceHolder 3"/>
+          <p:cNvPr id="33" name="PlaceHolder 3"/>
           <p:cNvSpPr>
             <a:spLocks noGrp="1"/>
           </p:cNvSpPr>
@@ -424,7 +424,7 @@
       </p:sp>
       <p:sp>
         <p:nvSpPr>
-          <p:cNvPr id="37" name="PlaceHolder 4"/>
+          <p:cNvPr id="34" name="PlaceHolder 4"/>
           <p:cNvSpPr>
             <a:spLocks noGrp="1"/>
           </p:cNvSpPr>
@@ -454,7 +454,7 @@
       </p:sp>
       <p:sp>
         <p:nvSpPr>
-          <p:cNvPr id="38" name="PlaceHolder 5"/>
+          <p:cNvPr id="35" name="PlaceHolder 5"/>
           <p:cNvSpPr>
             <a:spLocks noGrp="1"/>
           </p:cNvSpPr>
@@ -484,7 +484,7 @@
       </p:sp>
       <p:sp>
         <p:nvSpPr>
-          <p:cNvPr id="39" name="PlaceHolder 6"/>
+          <p:cNvPr id="36" name="PlaceHolder 6"/>
           <p:cNvSpPr>
             <a:spLocks noGrp="1"/>
           </p:cNvSpPr>
@@ -514,7 +514,7 @@
       </p:sp>
       <p:sp>
         <p:nvSpPr>
-          <p:cNvPr id="40" name="PlaceHolder 7"/>
+          <p:cNvPr id="37" name="PlaceHolder 7"/>
           <p:cNvSpPr>
             <a:spLocks noGrp="1"/>
           </p:cNvSpPr>
@@ -566,7 +566,7 @@
       </p:grpSpPr>
       <p:sp>
         <p:nvSpPr>
-          <p:cNvPr id="5" name="PlaceHolder 1"/>
+          <p:cNvPr id="2" name="PlaceHolder 1"/>
           <p:cNvSpPr>
             <a:spLocks noGrp="1"/>
           </p:cNvSpPr>
@@ -577,7 +577,7 @@
         <p:spPr>
           <a:xfrm>
             <a:off x="504000" y="226080"/>
-            <a:ext cx="9071640" cy="946440"/>
+            <a:ext cx="9070920" cy="945720"/>
           </a:xfrm>
           <a:prstGeom prst="rect">
             <a:avLst/>
@@ -595,7 +595,7 @@
       </p:sp>
       <p:sp>
         <p:nvSpPr>
-          <p:cNvPr id="6" name="PlaceHolder 2"/>
+          <p:cNvPr id="3" name="PlaceHolder 2"/>
           <p:cNvSpPr>
             <a:spLocks noGrp="1"/>
           </p:cNvSpPr>
@@ -646,7 +646,7 @@
       </p:grpSpPr>
       <p:sp>
         <p:nvSpPr>
-          <p:cNvPr id="7" name="PlaceHolder 1"/>
+          <p:cNvPr id="4" name="PlaceHolder 1"/>
           <p:cNvSpPr>
             <a:spLocks noGrp="1"/>
           </p:cNvSpPr>
@@ -657,7 +657,7 @@
         <p:spPr>
           <a:xfrm>
             <a:off x="504000" y="226080"/>
-            <a:ext cx="9071640" cy="946440"/>
+            <a:ext cx="9070920" cy="945720"/>
           </a:xfrm>
           <a:prstGeom prst="rect">
             <a:avLst/>
@@ -675,7 +675,7 @@
       </p:sp>
       <p:sp>
         <p:nvSpPr>
-          <p:cNvPr id="8" name="PlaceHolder 2"/>
+          <p:cNvPr id="5" name="PlaceHolder 2"/>
           <p:cNvSpPr>
             <a:spLocks noGrp="1"/>
           </p:cNvSpPr>
@@ -727,7 +727,7 @@
       </p:grpSpPr>
       <p:sp>
         <p:nvSpPr>
-          <p:cNvPr id="9" name="PlaceHolder 1"/>
+          <p:cNvPr id="6" name="PlaceHolder 1"/>
           <p:cNvSpPr>
             <a:spLocks noGrp="1"/>
           </p:cNvSpPr>
@@ -738,7 +738,7 @@
         <p:spPr>
           <a:xfrm>
             <a:off x="504000" y="226080"/>
-            <a:ext cx="9071640" cy="946440"/>
+            <a:ext cx="9070920" cy="945720"/>
           </a:xfrm>
           <a:prstGeom prst="rect">
             <a:avLst/>
@@ -756,7 +756,7 @@
       </p:sp>
       <p:sp>
         <p:nvSpPr>
-          <p:cNvPr id="10" name="PlaceHolder 2"/>
+          <p:cNvPr id="7" name="PlaceHolder 2"/>
           <p:cNvSpPr>
             <a:spLocks noGrp="1"/>
           </p:cNvSpPr>
@@ -786,7 +786,7 @@
       </p:sp>
       <p:sp>
         <p:nvSpPr>
-          <p:cNvPr id="11" name="PlaceHolder 3"/>
+          <p:cNvPr id="8" name="PlaceHolder 3"/>
           <p:cNvSpPr>
             <a:spLocks noGrp="1"/>
           </p:cNvSpPr>
@@ -838,7 +838,7 @@
       </p:grpSpPr>
       <p:sp>
         <p:nvSpPr>
-          <p:cNvPr id="12" name="PlaceHolder 1"/>
+          <p:cNvPr id="9" name="PlaceHolder 1"/>
           <p:cNvSpPr>
             <a:spLocks noGrp="1"/>
           </p:cNvSpPr>
@@ -849,7 +849,7 @@
         <p:spPr>
           <a:xfrm>
             <a:off x="504000" y="226080"/>
-            <a:ext cx="9071640" cy="946440"/>
+            <a:ext cx="9070920" cy="945720"/>
           </a:xfrm>
           <a:prstGeom prst="rect">
             <a:avLst/>
@@ -889,7 +889,7 @@
       </p:grpSpPr>
       <p:sp>
         <p:nvSpPr>
-          <p:cNvPr id="13" name="PlaceHolder 1"/>
+          <p:cNvPr id="10" name="PlaceHolder 1"/>
           <p:cNvSpPr>
             <a:spLocks noGrp="1"/>
           </p:cNvSpPr>
@@ -900,7 +900,7 @@
         <p:spPr>
           <a:xfrm>
             <a:off x="504000" y="226080"/>
-            <a:ext cx="9071640" cy="4388400"/>
+            <a:ext cx="9070920" cy="4385160"/>
           </a:xfrm>
           <a:prstGeom prst="rect">
             <a:avLst/>
@@ -940,7 +940,7 @@
       </p:grpSpPr>
       <p:sp>
         <p:nvSpPr>
-          <p:cNvPr id="14" name="PlaceHolder 1"/>
+          <p:cNvPr id="11" name="PlaceHolder 1"/>
           <p:cNvSpPr>
             <a:spLocks noGrp="1"/>
           </p:cNvSpPr>
@@ -951,7 +951,7 @@
         <p:spPr>
           <a:xfrm>
             <a:off x="504000" y="226080"/>
-            <a:ext cx="9071640" cy="946440"/>
+            <a:ext cx="9070920" cy="945720"/>
           </a:xfrm>
           <a:prstGeom prst="rect">
             <a:avLst/>
@@ -969,7 +969,7 @@
       </p:sp>
       <p:sp>
         <p:nvSpPr>
-          <p:cNvPr id="15" name="PlaceHolder 2"/>
+          <p:cNvPr id="12" name="PlaceHolder 2"/>
           <p:cNvSpPr>
             <a:spLocks noGrp="1"/>
           </p:cNvSpPr>
@@ -999,7 +999,7 @@
       </p:sp>
       <p:sp>
         <p:nvSpPr>
-          <p:cNvPr id="16" name="PlaceHolder 3"/>
+          <p:cNvPr id="13" name="PlaceHolder 3"/>
           <p:cNvSpPr>
             <a:spLocks noGrp="1"/>
           </p:cNvSpPr>
@@ -1029,7 +1029,7 @@
       </p:sp>
       <p:sp>
         <p:nvSpPr>
-          <p:cNvPr id="17" name="PlaceHolder 4"/>
+          <p:cNvPr id="14" name="PlaceHolder 4"/>
           <p:cNvSpPr>
             <a:spLocks noGrp="1"/>
           </p:cNvSpPr>
@@ -1081,7 +1081,7 @@
       </p:grpSpPr>
       <p:sp>
         <p:nvSpPr>
-          <p:cNvPr id="18" name="PlaceHolder 1"/>
+          <p:cNvPr id="15" name="PlaceHolder 1"/>
           <p:cNvSpPr>
             <a:spLocks noGrp="1"/>
           </p:cNvSpPr>
@@ -1092,7 +1092,7 @@
         <p:spPr>
           <a:xfrm>
             <a:off x="504000" y="226080"/>
-            <a:ext cx="9071640" cy="946440"/>
+            <a:ext cx="9070920" cy="945720"/>
           </a:xfrm>
           <a:prstGeom prst="rect">
             <a:avLst/>
@@ -1110,7 +1110,7 @@
       </p:sp>
       <p:sp>
         <p:nvSpPr>
-          <p:cNvPr id="19" name="PlaceHolder 2"/>
+          <p:cNvPr id="16" name="PlaceHolder 2"/>
           <p:cNvSpPr>
             <a:spLocks noGrp="1"/>
           </p:cNvSpPr>
@@ -1140,7 +1140,7 @@
       </p:sp>
       <p:sp>
         <p:nvSpPr>
-          <p:cNvPr id="20" name="PlaceHolder 3"/>
+          <p:cNvPr id="17" name="PlaceHolder 3"/>
           <p:cNvSpPr>
             <a:spLocks noGrp="1"/>
           </p:cNvSpPr>
@@ -1170,7 +1170,7 @@
       </p:sp>
       <p:sp>
         <p:nvSpPr>
-          <p:cNvPr id="21" name="PlaceHolder 4"/>
+          <p:cNvPr id="18" name="PlaceHolder 4"/>
           <p:cNvSpPr>
             <a:spLocks noGrp="1"/>
           </p:cNvSpPr>
@@ -1222,7 +1222,7 @@
       </p:grpSpPr>
       <p:sp>
         <p:nvSpPr>
-          <p:cNvPr id="22" name="PlaceHolder 1"/>
+          <p:cNvPr id="19" name="PlaceHolder 1"/>
           <p:cNvSpPr>
             <a:spLocks noGrp="1"/>
           </p:cNvSpPr>
@@ -1233,7 +1233,7 @@
         <p:spPr>
           <a:xfrm>
             <a:off x="504000" y="226080"/>
-            <a:ext cx="9071640" cy="946440"/>
+            <a:ext cx="9070920" cy="945720"/>
           </a:xfrm>
           <a:prstGeom prst="rect">
             <a:avLst/>
@@ -1251,7 +1251,7 @@
       </p:sp>
       <p:sp>
         <p:nvSpPr>
-          <p:cNvPr id="23" name="PlaceHolder 2"/>
+          <p:cNvPr id="20" name="PlaceHolder 2"/>
           <p:cNvSpPr>
             <a:spLocks noGrp="1"/>
           </p:cNvSpPr>
@@ -1281,7 +1281,7 @@
       </p:sp>
       <p:sp>
         <p:nvSpPr>
-          <p:cNvPr id="24" name="PlaceHolder 3"/>
+          <p:cNvPr id="21" name="PlaceHolder 3"/>
           <p:cNvSpPr>
             <a:spLocks noGrp="1"/>
           </p:cNvSpPr>
@@ -1311,7 +1311,7 @@
       </p:sp>
       <p:sp>
         <p:nvSpPr>
-          <p:cNvPr id="25" name="PlaceHolder 4"/>
+          <p:cNvPr id="22" name="PlaceHolder 4"/>
           <p:cNvSpPr>
             <a:spLocks noGrp="1"/>
           </p:cNvSpPr>
@@ -1374,7 +1374,7 @@
         <p:spPr>
           <a:xfrm>
             <a:off x="504000" y="226080"/>
-            <a:ext cx="9071640" cy="946440"/>
+            <a:ext cx="9070920" cy="945720"/>
           </a:xfrm>
           <a:prstGeom prst="rect">
             <a:avLst/>
@@ -1383,14 +1383,13 @@
         <p:txBody>
           <a:bodyPr lIns="0" rIns="0" tIns="0" bIns="0" anchor="ctr"/>
           <a:p>
-            <a:pPr algn="ctr"/>
             <a:r>
-              <a:rPr b="0" lang="en-US" sz="4400" spc="-1" strike="noStrike">
+              <a:rPr b="0" lang="en-US" sz="1800" spc="-1" strike="noStrike">
                 <a:latin typeface="Arial"/>
               </a:rPr>
               <a:t>Click to edit the title text format</a:t>
             </a:r>
-            <a:endParaRPr b="0" lang="en-US" sz="4400" spc="-1" strike="noStrike">
+            <a:endParaRPr b="0" lang="en-US" sz="1800" spc="-1" strike="noStrike">
               <a:latin typeface="Arial"/>
             </a:endParaRPr>
           </a:p>
@@ -1432,12 +1431,12 @@
               <a:buChar char=""/>
             </a:pPr>
             <a:r>
-              <a:rPr b="0" lang="en-US" sz="3200" spc="-1" strike="noStrike">
+              <a:rPr b="0" lang="en-US" sz="1800" spc="-1" strike="noStrike">
                 <a:latin typeface="Arial"/>
               </a:rPr>
               <a:t>Click to edit the outline text format</a:t>
             </a:r>
-            <a:endParaRPr b="0" lang="en-US" sz="3200" spc="-1" strike="noStrike">
+            <a:endParaRPr b="0" lang="en-US" sz="1800" spc="-1" strike="noStrike">
               <a:latin typeface="Arial"/>
             </a:endParaRPr>
           </a:p>
@@ -1454,12 +1453,12 @@
               <a:buChar char=""/>
             </a:pPr>
             <a:r>
-              <a:rPr b="0" lang="en-US" sz="2800" spc="-1" strike="noStrike">
+              <a:rPr b="0" lang="en-US" sz="1800" spc="-1" strike="noStrike">
                 <a:latin typeface="Arial"/>
               </a:rPr>
               <a:t>Second Outline Level</a:t>
             </a:r>
-            <a:endParaRPr b="0" lang="en-US" sz="2800" spc="-1" strike="noStrike">
+            <a:endParaRPr b="0" lang="en-US" sz="1800" spc="-1" strike="noStrike">
               <a:latin typeface="Arial"/>
             </a:endParaRPr>
           </a:p>
@@ -1476,12 +1475,12 @@
               <a:buChar char=""/>
             </a:pPr>
             <a:r>
-              <a:rPr b="0" lang="en-US" sz="2400" spc="-1" strike="noStrike">
+              <a:rPr b="0" lang="en-US" sz="1800" spc="-1" strike="noStrike">
                 <a:latin typeface="Arial"/>
               </a:rPr>
               <a:t>Third Outline Level</a:t>
             </a:r>
-            <a:endParaRPr b="0" lang="en-US" sz="2400" spc="-1" strike="noStrike">
+            <a:endParaRPr b="0" lang="en-US" sz="1800" spc="-1" strike="noStrike">
               <a:latin typeface="Arial"/>
             </a:endParaRPr>
           </a:p>
@@ -1498,12 +1497,12 @@
               <a:buChar char=""/>
             </a:pPr>
             <a:r>
-              <a:rPr b="0" lang="en-US" sz="2000" spc="-1" strike="noStrike">
+              <a:rPr b="0" lang="en-US" sz="1800" spc="-1" strike="noStrike">
                 <a:latin typeface="Arial"/>
               </a:rPr>
               <a:t>Fourth Outline Level</a:t>
             </a:r>
-            <a:endParaRPr b="0" lang="en-US" sz="2000" spc="-1" strike="noStrike">
+            <a:endParaRPr b="0" lang="en-US" sz="1800" spc="-1" strike="noStrike">
               <a:latin typeface="Arial"/>
             </a:endParaRPr>
           </a:p>
@@ -1520,12 +1519,12 @@
               <a:buChar char=""/>
             </a:pPr>
             <a:r>
-              <a:rPr b="0" lang="en-US" sz="2000" spc="-1" strike="noStrike">
+              <a:rPr b="0" lang="en-US" sz="1800" spc="-1" strike="noStrike">
                 <a:latin typeface="Arial"/>
               </a:rPr>
               <a:t>Fifth Outline Level</a:t>
             </a:r>
-            <a:endParaRPr b="0" lang="en-US" sz="2000" spc="-1" strike="noStrike">
+            <a:endParaRPr b="0" lang="en-US" sz="1800" spc="-1" strike="noStrike">
               <a:latin typeface="Arial"/>
             </a:endParaRPr>
           </a:p>
@@ -1542,12 +1541,12 @@
               <a:buChar char=""/>
             </a:pPr>
             <a:r>
-              <a:rPr b="0" lang="en-US" sz="2000" spc="-1" strike="noStrike">
+              <a:rPr b="0" lang="en-US" sz="1800" spc="-1" strike="noStrike">
                 <a:latin typeface="Arial"/>
               </a:rPr>
               <a:t>Sixth Outline Level</a:t>
             </a:r>
-            <a:endParaRPr b="0" lang="en-US" sz="2000" spc="-1" strike="noStrike">
+            <a:endParaRPr b="0" lang="en-US" sz="1800" spc="-1" strike="noStrike">
               <a:latin typeface="Arial"/>
             </a:endParaRPr>
           </a:p>
@@ -1564,117 +1563,13 @@
               <a:buChar char=""/>
             </a:pPr>
             <a:r>
-              <a:rPr b="0" lang="en-US" sz="2000" spc="-1" strike="noStrike">
+              <a:rPr b="0" lang="en-US" sz="1800" spc="-1" strike="noStrike">
                 <a:latin typeface="Arial"/>
               </a:rPr>
               <a:t>Seventh Outline Level</a:t>
             </a:r>
-            <a:endParaRPr b="0" lang="en-US" sz="2000" spc="-1" strike="noStrike">
-              <a:latin typeface="Arial"/>
-            </a:endParaRPr>
-          </a:p>
-        </p:txBody>
-      </p:sp>
-      <p:sp>
-        <p:nvSpPr>
-          <p:cNvPr id="2" name="PlaceHolder 3"/>
-          <p:cNvSpPr>
-            <a:spLocks noGrp="1"/>
-          </p:cNvSpPr>
-          <p:nvPr>
-            <p:ph type="dt"/>
-          </p:nvPr>
-        </p:nvSpPr>
-        <p:spPr>
-          <a:xfrm>
-            <a:off x="504000" y="5165280"/>
-            <a:ext cx="2348280" cy="390600"/>
-          </a:xfrm>
-          <a:prstGeom prst="rect">
-            <a:avLst/>
-          </a:prstGeom>
-        </p:spPr>
-        <p:txBody>
-          <a:bodyPr lIns="0" rIns="0" tIns="0" bIns="0"/>
-          <a:p>
-            <a:r>
-              <a:rPr b="0" lang="en-US" sz="1400" spc="-1" strike="noStrike">
-                <a:latin typeface="Times New Roman"/>
-              </a:rPr>
-              <a:t> </a:t>
-            </a:r>
-            <a:endParaRPr b="0" lang="en-US" sz="1400" spc="-1" strike="noStrike">
-              <a:latin typeface="Times New Roman"/>
-            </a:endParaRPr>
-          </a:p>
-        </p:txBody>
-      </p:sp>
-      <p:sp>
-        <p:nvSpPr>
-          <p:cNvPr id="3" name="PlaceHolder 4"/>
-          <p:cNvSpPr>
-            <a:spLocks noGrp="1"/>
-          </p:cNvSpPr>
-          <p:nvPr>
-            <p:ph type="ftr"/>
-          </p:nvPr>
-        </p:nvSpPr>
-        <p:spPr>
-          <a:xfrm>
-            <a:off x="3447360" y="5165280"/>
-            <a:ext cx="3195000" cy="390600"/>
-          </a:xfrm>
-          <a:prstGeom prst="rect">
-            <a:avLst/>
-          </a:prstGeom>
-        </p:spPr>
-        <p:txBody>
-          <a:bodyPr lIns="0" rIns="0" tIns="0" bIns="0"/>
-          <a:p>
-            <a:pPr algn="ctr"/>
-            <a:r>
-              <a:rPr b="0" lang="en-US" sz="1400" spc="-1" strike="noStrike">
-                <a:latin typeface="Times New Roman"/>
-              </a:rPr>
-              <a:t> </a:t>
-            </a:r>
-            <a:endParaRPr b="0" lang="en-US" sz="1400" spc="-1" strike="noStrike">
-              <a:latin typeface="Times New Roman"/>
-            </a:endParaRPr>
-          </a:p>
-        </p:txBody>
-      </p:sp>
-      <p:sp>
-        <p:nvSpPr>
-          <p:cNvPr id="4" name="PlaceHolder 5"/>
-          <p:cNvSpPr>
-            <a:spLocks noGrp="1"/>
-          </p:cNvSpPr>
-          <p:nvPr>
-            <p:ph type="sldNum"/>
-          </p:nvPr>
-        </p:nvSpPr>
-        <p:spPr>
-          <a:xfrm>
-            <a:off x="7227360" y="5165280"/>
-            <a:ext cx="2348280" cy="390600"/>
-          </a:xfrm>
-          <a:prstGeom prst="rect">
-            <a:avLst/>
-          </a:prstGeom>
-        </p:spPr>
-        <p:txBody>
-          <a:bodyPr lIns="0" rIns="0" tIns="0" bIns="0"/>
-          <a:p>
-            <a:pPr algn="r"/>
-            <a:fld id="{5812899E-3390-4C0C-8C0A-CE8147BF05A6}" type="slidenum">
-              <a:rPr b="0" lang="en-US" sz="1400" spc="-1" strike="noStrike">
-                <a:latin typeface="Times New Roman"/>
-              </a:rPr>
-              <a:t>1</a:t>
-            </a:fld>
-            <a:endParaRPr b="0" lang="en-US" sz="1400" spc="-1" strike="noStrike">
-              <a:latin typeface="Times New Roman"/>
+            <a:endParaRPr b="0" lang="en-US" sz="1800" spc="-1" strike="noStrike">
+              <a:latin typeface="Arial"/>
             </a:endParaRPr>
           </a:p>
         </p:txBody>
@@ -1718,14 +1613,14 @@
       </p:grpSpPr>
       <p:sp>
         <p:nvSpPr>
-          <p:cNvPr id="41" name="CustomShape 1"/>
+          <p:cNvPr id="38" name="CustomShape 1"/>
           <p:cNvSpPr/>
           <p:nvPr/>
         </p:nvSpPr>
         <p:spPr>
           <a:xfrm>
             <a:off x="1188720" y="274320"/>
-            <a:ext cx="2011680" cy="2103120"/>
+            <a:ext cx="2010960" cy="2102400"/>
           </a:xfrm>
           <a:prstGeom prst="rect">
             <a:avLst/>
@@ -1748,10 +1643,18 @@
         <p:txBody>
           <a:bodyPr wrap="none" lIns="90000" rIns="90000" tIns="45000" bIns="45000" anchor="ctr"/>
           <a:p>
-            <a:pPr algn="ctr"/>
+            <a:pPr algn="ctr">
+              <a:lnSpc>
+                <a:spcPct val="100000"/>
+              </a:lnSpc>
+            </a:pPr>
             <a:r>
               <a:rPr b="0" lang="en-US" sz="1800" spc="-1" strike="noStrike">
+                <a:solidFill>
+                  <a:srgbClr val="000000"/>
+                </a:solidFill>
                 <a:latin typeface="Arial"/>
+                <a:ea typeface="DejaVu Sans"/>
               </a:rPr>
               <a:t>!(test1)</a:t>
             </a:r>
@@ -1763,14 +1666,14 @@
       </p:sp>
       <p:sp>
         <p:nvSpPr>
-          <p:cNvPr id="42" name="CustomShape 2"/>
+          <p:cNvPr id="39" name="CustomShape 2"/>
           <p:cNvSpPr/>
           <p:nvPr/>
         </p:nvSpPr>
         <p:spPr>
           <a:xfrm>
             <a:off x="4937760" y="3017520"/>
-            <a:ext cx="4389120" cy="2286000"/>
+            <a:ext cx="4388400" cy="2285280"/>
           </a:xfrm>
           <a:prstGeom prst="rect">
             <a:avLst/>
@@ -1793,10 +1696,18 @@
         <p:txBody>
           <a:bodyPr wrap="none" lIns="90000" rIns="90000" tIns="45000" bIns="45000" anchor="ctr"/>
           <a:p>
-            <a:pPr algn="ctr"/>
+            <a:pPr algn="ctr">
+              <a:lnSpc>
+                <a:spcPct val="100000"/>
+              </a:lnSpc>
+            </a:pPr>
             <a:r>
               <a:rPr b="0" lang="en-US" sz="1800" spc="-1" strike="noStrike">
+                <a:solidFill>
+                  <a:srgbClr val="000000"/>
+                </a:solidFill>
                 <a:latin typeface="Arial"/>
+                <a:ea typeface="DejaVu Sans"/>
               </a:rPr>
               <a:t>!(test_1)</a:t>
             </a:r>
@@ -1808,14 +1719,14 @@
       </p:sp>
       <p:sp>
         <p:nvSpPr>
-          <p:cNvPr id="43" name="CustomShape 3"/>
+          <p:cNvPr id="40" name="CustomShape 3"/>
           <p:cNvSpPr/>
           <p:nvPr/>
         </p:nvSpPr>
         <p:spPr>
           <a:xfrm>
             <a:off x="7406640" y="182880"/>
-            <a:ext cx="2468880" cy="1737360"/>
+            <a:ext cx="2468160" cy="1736640"/>
           </a:xfrm>
           <a:prstGeom prst="rect">
             <a:avLst/>
@@ -1838,10 +1749,18 @@
         <p:txBody>
           <a:bodyPr wrap="none" lIns="90000" rIns="90000" tIns="45000" bIns="45000" anchor="ctr"/>
           <a:p>
-            <a:pPr algn="ctr"/>
+            <a:pPr algn="ctr">
+              <a:lnSpc>
+                <a:spcPct val="100000"/>
+              </a:lnSpc>
+            </a:pPr>
             <a:r>
               <a:rPr b="0" lang="en-US" sz="1800" spc="-1" strike="noStrike">
+                <a:solidFill>
+                  <a:srgbClr val="000000"/>
+                </a:solidFill>
                 <a:latin typeface="Arial"/>
+                <a:ea typeface="DejaVu Sans"/>
               </a:rPr>
               <a:t>!(test_q)</a:t>
             </a:r>
@@ -1851,6 +1770,106 @@
           </a:p>
         </p:txBody>
       </p:sp>
+      <p:sp>
+        <p:nvSpPr>
+          <p:cNvPr id="41" name="CustomShape 4"/>
+          <p:cNvSpPr/>
+          <p:nvPr/>
+        </p:nvSpPr>
+        <p:spPr>
+          <a:xfrm>
+            <a:off x="4114800" y="731520"/>
+            <a:ext cx="2834280" cy="1279800"/>
+          </a:xfrm>
+          <a:prstGeom prst="wedgeRoundRectCallout">
+            <a:avLst>
+              <a:gd name="adj1" fmla="val -26916"/>
+              <a:gd name="adj2" fmla="val 78731"/>
+              <a:gd name="adj3" fmla="val 16667"/>
+            </a:avLst>
+          </a:prstGeom>
+          <a:solidFill>
+            <a:srgbClr val="ed1c24"/>
+          </a:solidFill>
+          <a:ln>
+            <a:solidFill>
+              <a:srgbClr val="3465a4"/>
+            </a:solidFill>
+          </a:ln>
+        </p:spPr>
+        <p:style>
+          <a:lnRef idx="0"/>
+          <a:fillRef idx="0"/>
+          <a:effectRef idx="0"/>
+          <a:fontRef idx="minor"/>
+        </p:style>
+        <p:txBody>
+          <a:bodyPr wrap="none" lIns="90000" rIns="90000" tIns="45000" bIns="45000" anchor="ctr"/>
+          <a:p>
+            <a:pPr algn="ctr">
+              <a:lnSpc>
+                <a:spcPct val="100000"/>
+              </a:lnSpc>
+            </a:pPr>
+            <a:r>
+              <a:rPr b="0" lang="en-US" sz="1800" spc="-1" strike="noStrike">
+                <a:solidFill>
+                  <a:srgbClr val="000000"/>
+                </a:solidFill>
+                <a:latin typeface="Arial"/>
+                <a:ea typeface="DejaVu Sans"/>
+              </a:rPr>
+              <a:t>HELLO WORLD</a:t>
+            </a:r>
+            <a:endParaRPr b="0" lang="en-US" sz="1800" spc="-1" strike="noStrike">
+              <a:latin typeface="Arial"/>
+            </a:endParaRPr>
+          </a:p>
+          <a:p>
+            <a:pPr algn="ctr">
+              <a:lnSpc>
+                <a:spcPct val="100000"/>
+              </a:lnSpc>
+            </a:pPr>
+            <a:r>
+              <a:rPr b="0" lang="en-US" sz="1800" spc="-1" strike="noStrike">
+                <a:solidFill>
+                  <a:srgbClr val="000000"/>
+                </a:solidFill>
+                <a:latin typeface="Arial"/>
+                <a:ea typeface="DejaVu Sans"/>
+              </a:rPr>
+              <a:t>This text should stay</a:t>
+            </a:r>
+            <a:endParaRPr b="0" lang="en-US" sz="1800" spc="-1" strike="noStrike">
+              <a:latin typeface="Arial"/>
+            </a:endParaRPr>
+          </a:p>
+        </p:txBody>
+      </p:sp>
+      <p:pic>
+        <p:nvPicPr>
+          <p:cNvPr id="42" name="" descr=""/>
+          <p:cNvPicPr/>
+          <p:nvPr/>
+        </p:nvPicPr>
+        <p:blipFill>
+          <a:blip r:embed="rId1"/>
+          <a:stretch/>
+        </p:blipFill>
+        <p:spPr>
+          <a:xfrm>
+            <a:off x="287280" y="3749040"/>
+            <a:ext cx="1724400" cy="1652760"/>
+          </a:xfrm>
+          <a:prstGeom prst="rect">
+            <a:avLst/>
+          </a:prstGeom>
+          <a:ln>
+            <a:noFill/>
+          </a:ln>
+        </p:spPr>
+      </p:pic>
     </p:spTree>
   </p:cSld>
   <p:timing>

--- a/examples/basic/test.pptx
+++ b/examples/basic/test.pptx
@@ -53,7 +53,7 @@
       </p:grpSpPr>
       <p:sp>
         <p:nvSpPr>
-          <p:cNvPr id="23" name="PlaceHolder 1"/>
+          <p:cNvPr id="21" name="PlaceHolder 1"/>
           <p:cNvSpPr>
             <a:spLocks noGrp="1"/>
           </p:cNvSpPr>
@@ -64,7 +64,7 @@
         <p:spPr>
           <a:xfrm>
             <a:off x="504000" y="226080"/>
-            <a:ext cx="9070920" cy="945720"/>
+            <a:ext cx="9072000" cy="946440"/>
           </a:xfrm>
           <a:prstGeom prst="rect">
             <a:avLst/>
@@ -82,7 +82,7 @@
       </p:sp>
       <p:sp>
         <p:nvSpPr>
-          <p:cNvPr id="24" name="PlaceHolder 2"/>
+          <p:cNvPr id="22" name="PlaceHolder 2"/>
           <p:cNvSpPr>
             <a:spLocks noGrp="1"/>
           </p:cNvSpPr>
@@ -93,37 +93,37 @@
         <p:spPr>
           <a:xfrm>
             <a:off x="504000" y="1326600"/>
-            <a:ext cx="9071640" cy="1568160"/>
-          </a:xfrm>
-          <a:prstGeom prst="rect">
-            <a:avLst/>
-          </a:prstGeom>
-        </p:spPr>
-        <p:txBody>
-          <a:bodyPr lIns="0" rIns="0" tIns="0" bIns="0">
-            <a:normAutofit/>
-          </a:bodyPr>
-          <a:p>
-            <a:endParaRPr b="0" lang="en-US" sz="3200" spc="-1" strike="noStrike">
-              <a:latin typeface="Arial"/>
-            </a:endParaRPr>
-          </a:p>
-        </p:txBody>
-      </p:sp>
-      <p:sp>
-        <p:nvSpPr>
-          <p:cNvPr id="25" name="PlaceHolder 3"/>
-          <p:cNvSpPr>
-            <a:spLocks noGrp="1"/>
-          </p:cNvSpPr>
-          <p:nvPr>
-            <p:ph type="body"/>
-          </p:nvPr>
-        </p:nvSpPr>
-        <p:spPr>
-          <a:xfrm>
-            <a:off x="504000" y="3044160"/>
-            <a:ext cx="9071640" cy="1568160"/>
+            <a:ext cx="9072000" cy="1568520"/>
+          </a:xfrm>
+          <a:prstGeom prst="rect">
+            <a:avLst/>
+          </a:prstGeom>
+        </p:spPr>
+        <p:txBody>
+          <a:bodyPr lIns="0" rIns="0" tIns="0" bIns="0">
+            <a:normAutofit/>
+          </a:bodyPr>
+          <a:p>
+            <a:endParaRPr b="0" lang="en-US" sz="3200" spc="-1" strike="noStrike">
+              <a:latin typeface="Arial"/>
+            </a:endParaRPr>
+          </a:p>
+        </p:txBody>
+      </p:sp>
+      <p:sp>
+        <p:nvSpPr>
+          <p:cNvPr id="23" name="PlaceHolder 3"/>
+          <p:cNvSpPr>
+            <a:spLocks noGrp="1"/>
+          </p:cNvSpPr>
+          <p:nvPr>
+            <p:ph type="body"/>
+          </p:nvPr>
+        </p:nvSpPr>
+        <p:spPr>
+          <a:xfrm>
+            <a:off x="504000" y="3044520"/>
+            <a:ext cx="9072000" cy="1568520"/>
           </a:xfrm>
           <a:prstGeom prst="rect">
             <a:avLst/>
@@ -164,7 +164,7 @@
       </p:grpSpPr>
       <p:sp>
         <p:nvSpPr>
-          <p:cNvPr id="26" name="PlaceHolder 1"/>
+          <p:cNvPr id="24" name="PlaceHolder 1"/>
           <p:cNvSpPr>
             <a:spLocks noGrp="1"/>
           </p:cNvSpPr>
@@ -175,7 +175,7 @@
         <p:spPr>
           <a:xfrm>
             <a:off x="504000" y="226080"/>
-            <a:ext cx="9070920" cy="945720"/>
+            <a:ext cx="9072000" cy="946440"/>
           </a:xfrm>
           <a:prstGeom prst="rect">
             <a:avLst/>
@@ -193,7 +193,7 @@
       </p:sp>
       <p:sp>
         <p:nvSpPr>
-          <p:cNvPr id="27" name="PlaceHolder 2"/>
+          <p:cNvPr id="25" name="PlaceHolder 2"/>
           <p:cNvSpPr>
             <a:spLocks noGrp="1"/>
           </p:cNvSpPr>
@@ -204,26 +204,26 @@
         <p:spPr>
           <a:xfrm>
             <a:off x="504000" y="1326600"/>
-            <a:ext cx="4426920" cy="1568160"/>
-          </a:xfrm>
-          <a:prstGeom prst="rect">
-            <a:avLst/>
-          </a:prstGeom>
-        </p:spPr>
-        <p:txBody>
-          <a:bodyPr lIns="0" rIns="0" tIns="0" bIns="0">
-            <a:normAutofit/>
-          </a:bodyPr>
-          <a:p>
-            <a:endParaRPr b="0" lang="en-US" sz="3200" spc="-1" strike="noStrike">
-              <a:latin typeface="Arial"/>
-            </a:endParaRPr>
-          </a:p>
-        </p:txBody>
-      </p:sp>
-      <p:sp>
-        <p:nvSpPr>
-          <p:cNvPr id="28" name="PlaceHolder 3"/>
+            <a:ext cx="4426920" cy="1568520"/>
+          </a:xfrm>
+          <a:prstGeom prst="rect">
+            <a:avLst/>
+          </a:prstGeom>
+        </p:spPr>
+        <p:txBody>
+          <a:bodyPr lIns="0" rIns="0" tIns="0" bIns="0">
+            <a:normAutofit/>
+          </a:bodyPr>
+          <a:p>
+            <a:endParaRPr b="0" lang="en-US" sz="3200" spc="-1" strike="noStrike">
+              <a:latin typeface="Arial"/>
+            </a:endParaRPr>
+          </a:p>
+        </p:txBody>
+      </p:sp>
+      <p:sp>
+        <p:nvSpPr>
+          <p:cNvPr id="26" name="PlaceHolder 3"/>
           <p:cNvSpPr>
             <a:spLocks noGrp="1"/>
           </p:cNvSpPr>
@@ -234,67 +234,67 @@
         <p:spPr>
           <a:xfrm>
             <a:off x="5152680" y="1326600"/>
-            <a:ext cx="4426920" cy="1568160"/>
-          </a:xfrm>
-          <a:prstGeom prst="rect">
-            <a:avLst/>
-          </a:prstGeom>
-        </p:spPr>
-        <p:txBody>
-          <a:bodyPr lIns="0" rIns="0" tIns="0" bIns="0">
-            <a:normAutofit/>
-          </a:bodyPr>
-          <a:p>
-            <a:endParaRPr b="0" lang="en-US" sz="3200" spc="-1" strike="noStrike">
-              <a:latin typeface="Arial"/>
-            </a:endParaRPr>
-          </a:p>
-        </p:txBody>
-      </p:sp>
-      <p:sp>
-        <p:nvSpPr>
-          <p:cNvPr id="29" name="PlaceHolder 4"/>
-          <p:cNvSpPr>
-            <a:spLocks noGrp="1"/>
-          </p:cNvSpPr>
-          <p:nvPr>
-            <p:ph type="body"/>
-          </p:nvPr>
-        </p:nvSpPr>
-        <p:spPr>
-          <a:xfrm>
-            <a:off x="504000" y="3044160"/>
-            <a:ext cx="4426920" cy="1568160"/>
-          </a:xfrm>
-          <a:prstGeom prst="rect">
-            <a:avLst/>
-          </a:prstGeom>
-        </p:spPr>
-        <p:txBody>
-          <a:bodyPr lIns="0" rIns="0" tIns="0" bIns="0">
-            <a:normAutofit/>
-          </a:bodyPr>
-          <a:p>
-            <a:endParaRPr b="0" lang="en-US" sz="3200" spc="-1" strike="noStrike">
-              <a:latin typeface="Arial"/>
-            </a:endParaRPr>
-          </a:p>
-        </p:txBody>
-      </p:sp>
-      <p:sp>
-        <p:nvSpPr>
-          <p:cNvPr id="30" name="PlaceHolder 5"/>
-          <p:cNvSpPr>
-            <a:spLocks noGrp="1"/>
-          </p:cNvSpPr>
-          <p:nvPr>
-            <p:ph type="body"/>
-          </p:nvPr>
-        </p:nvSpPr>
-        <p:spPr>
-          <a:xfrm>
-            <a:off x="5152680" y="3044160"/>
-            <a:ext cx="4426920" cy="1568160"/>
+            <a:ext cx="4426920" cy="1568520"/>
+          </a:xfrm>
+          <a:prstGeom prst="rect">
+            <a:avLst/>
+          </a:prstGeom>
+        </p:spPr>
+        <p:txBody>
+          <a:bodyPr lIns="0" rIns="0" tIns="0" bIns="0">
+            <a:normAutofit/>
+          </a:bodyPr>
+          <a:p>
+            <a:endParaRPr b="0" lang="en-US" sz="3200" spc="-1" strike="noStrike">
+              <a:latin typeface="Arial"/>
+            </a:endParaRPr>
+          </a:p>
+        </p:txBody>
+      </p:sp>
+      <p:sp>
+        <p:nvSpPr>
+          <p:cNvPr id="27" name="PlaceHolder 4"/>
+          <p:cNvSpPr>
+            <a:spLocks noGrp="1"/>
+          </p:cNvSpPr>
+          <p:nvPr>
+            <p:ph type="body"/>
+          </p:nvPr>
+        </p:nvSpPr>
+        <p:spPr>
+          <a:xfrm>
+            <a:off x="504000" y="3044520"/>
+            <a:ext cx="4426920" cy="1568520"/>
+          </a:xfrm>
+          <a:prstGeom prst="rect">
+            <a:avLst/>
+          </a:prstGeom>
+        </p:spPr>
+        <p:txBody>
+          <a:bodyPr lIns="0" rIns="0" tIns="0" bIns="0">
+            <a:normAutofit/>
+          </a:bodyPr>
+          <a:p>
+            <a:endParaRPr b="0" lang="en-US" sz="3200" spc="-1" strike="noStrike">
+              <a:latin typeface="Arial"/>
+            </a:endParaRPr>
+          </a:p>
+        </p:txBody>
+      </p:sp>
+      <p:sp>
+        <p:nvSpPr>
+          <p:cNvPr id="28" name="PlaceHolder 5"/>
+          <p:cNvSpPr>
+            <a:spLocks noGrp="1"/>
+          </p:cNvSpPr>
+          <p:nvPr>
+            <p:ph type="body"/>
+          </p:nvPr>
+        </p:nvSpPr>
+        <p:spPr>
+          <a:xfrm>
+            <a:off x="5152680" y="3044520"/>
+            <a:ext cx="4426920" cy="1568520"/>
           </a:xfrm>
           <a:prstGeom prst="rect">
             <a:avLst/>
@@ -335,7 +335,7 @@
       </p:grpSpPr>
       <p:sp>
         <p:nvSpPr>
-          <p:cNvPr id="31" name="PlaceHolder 1"/>
+          <p:cNvPr id="29" name="PlaceHolder 1"/>
           <p:cNvSpPr>
             <a:spLocks noGrp="1"/>
           </p:cNvSpPr>
@@ -346,7 +346,7 @@
         <p:spPr>
           <a:xfrm>
             <a:off x="504000" y="226080"/>
-            <a:ext cx="9070920" cy="945720"/>
+            <a:ext cx="9072000" cy="946440"/>
           </a:xfrm>
           <a:prstGeom prst="rect">
             <a:avLst/>
@@ -364,7 +364,7 @@
       </p:sp>
       <p:sp>
         <p:nvSpPr>
-          <p:cNvPr id="32" name="PlaceHolder 2"/>
+          <p:cNvPr id="30" name="PlaceHolder 2"/>
           <p:cNvSpPr>
             <a:spLocks noGrp="1"/>
           </p:cNvSpPr>
@@ -375,157 +375,157 @@
         <p:spPr>
           <a:xfrm>
             <a:off x="504000" y="1326600"/>
-            <a:ext cx="2920680" cy="1568160"/>
-          </a:xfrm>
-          <a:prstGeom prst="rect">
-            <a:avLst/>
-          </a:prstGeom>
-        </p:spPr>
-        <p:txBody>
-          <a:bodyPr lIns="0" rIns="0" tIns="0" bIns="0">
-            <a:normAutofit/>
-          </a:bodyPr>
-          <a:p>
-            <a:endParaRPr b="0" lang="en-US" sz="3200" spc="-1" strike="noStrike">
-              <a:latin typeface="Arial"/>
-            </a:endParaRPr>
-          </a:p>
-        </p:txBody>
-      </p:sp>
-      <p:sp>
-        <p:nvSpPr>
-          <p:cNvPr id="33" name="PlaceHolder 3"/>
-          <p:cNvSpPr>
-            <a:spLocks noGrp="1"/>
-          </p:cNvSpPr>
-          <p:nvPr>
-            <p:ph type="body"/>
-          </p:nvPr>
-        </p:nvSpPr>
-        <p:spPr>
-          <a:xfrm>
-            <a:off x="3571200" y="1326600"/>
-            <a:ext cx="2920680" cy="1568160"/>
-          </a:xfrm>
-          <a:prstGeom prst="rect">
-            <a:avLst/>
-          </a:prstGeom>
-        </p:spPr>
-        <p:txBody>
-          <a:bodyPr lIns="0" rIns="0" tIns="0" bIns="0">
-            <a:normAutofit/>
-          </a:bodyPr>
-          <a:p>
-            <a:endParaRPr b="0" lang="en-US" sz="3200" spc="-1" strike="noStrike">
-              <a:latin typeface="Arial"/>
-            </a:endParaRPr>
-          </a:p>
-        </p:txBody>
-      </p:sp>
-      <p:sp>
-        <p:nvSpPr>
-          <p:cNvPr id="34" name="PlaceHolder 4"/>
-          <p:cNvSpPr>
-            <a:spLocks noGrp="1"/>
-          </p:cNvSpPr>
-          <p:nvPr>
-            <p:ph type="body"/>
-          </p:nvPr>
-        </p:nvSpPr>
-        <p:spPr>
-          <a:xfrm>
-            <a:off x="6638040" y="1326600"/>
-            <a:ext cx="2920680" cy="1568160"/>
-          </a:xfrm>
-          <a:prstGeom prst="rect">
-            <a:avLst/>
-          </a:prstGeom>
-        </p:spPr>
-        <p:txBody>
-          <a:bodyPr lIns="0" rIns="0" tIns="0" bIns="0">
-            <a:normAutofit/>
-          </a:bodyPr>
-          <a:p>
-            <a:endParaRPr b="0" lang="en-US" sz="3200" spc="-1" strike="noStrike">
-              <a:latin typeface="Arial"/>
-            </a:endParaRPr>
-          </a:p>
-        </p:txBody>
-      </p:sp>
-      <p:sp>
-        <p:nvSpPr>
-          <p:cNvPr id="35" name="PlaceHolder 5"/>
-          <p:cNvSpPr>
-            <a:spLocks noGrp="1"/>
-          </p:cNvSpPr>
-          <p:nvPr>
-            <p:ph type="body"/>
-          </p:nvPr>
-        </p:nvSpPr>
-        <p:spPr>
-          <a:xfrm>
-            <a:off x="504000" y="3044160"/>
-            <a:ext cx="2920680" cy="1568160"/>
-          </a:xfrm>
-          <a:prstGeom prst="rect">
-            <a:avLst/>
-          </a:prstGeom>
-        </p:spPr>
-        <p:txBody>
-          <a:bodyPr lIns="0" rIns="0" tIns="0" bIns="0">
-            <a:normAutofit/>
-          </a:bodyPr>
-          <a:p>
-            <a:endParaRPr b="0" lang="en-US" sz="3200" spc="-1" strike="noStrike">
-              <a:latin typeface="Arial"/>
-            </a:endParaRPr>
-          </a:p>
-        </p:txBody>
-      </p:sp>
-      <p:sp>
-        <p:nvSpPr>
-          <p:cNvPr id="36" name="PlaceHolder 6"/>
-          <p:cNvSpPr>
-            <a:spLocks noGrp="1"/>
-          </p:cNvSpPr>
-          <p:nvPr>
-            <p:ph type="body"/>
-          </p:nvPr>
-        </p:nvSpPr>
-        <p:spPr>
-          <a:xfrm>
-            <a:off x="3571200" y="3044160"/>
-            <a:ext cx="2920680" cy="1568160"/>
-          </a:xfrm>
-          <a:prstGeom prst="rect">
-            <a:avLst/>
-          </a:prstGeom>
-        </p:spPr>
-        <p:txBody>
-          <a:bodyPr lIns="0" rIns="0" tIns="0" bIns="0">
-            <a:normAutofit/>
-          </a:bodyPr>
-          <a:p>
-            <a:endParaRPr b="0" lang="en-US" sz="3200" spc="-1" strike="noStrike">
-              <a:latin typeface="Arial"/>
-            </a:endParaRPr>
-          </a:p>
-        </p:txBody>
-      </p:sp>
-      <p:sp>
-        <p:nvSpPr>
-          <p:cNvPr id="37" name="PlaceHolder 7"/>
-          <p:cNvSpPr>
-            <a:spLocks noGrp="1"/>
-          </p:cNvSpPr>
-          <p:nvPr>
-            <p:ph type="body"/>
-          </p:nvPr>
-        </p:nvSpPr>
-        <p:spPr>
-          <a:xfrm>
-            <a:off x="6638040" y="3044160"/>
-            <a:ext cx="2920680" cy="1568160"/>
+            <a:ext cx="2921040" cy="1568520"/>
+          </a:xfrm>
+          <a:prstGeom prst="rect">
+            <a:avLst/>
+          </a:prstGeom>
+        </p:spPr>
+        <p:txBody>
+          <a:bodyPr lIns="0" rIns="0" tIns="0" bIns="0">
+            <a:normAutofit/>
+          </a:bodyPr>
+          <a:p>
+            <a:endParaRPr b="0" lang="en-US" sz="3200" spc="-1" strike="noStrike">
+              <a:latin typeface="Arial"/>
+            </a:endParaRPr>
+          </a:p>
+        </p:txBody>
+      </p:sp>
+      <p:sp>
+        <p:nvSpPr>
+          <p:cNvPr id="31" name="PlaceHolder 3"/>
+          <p:cNvSpPr>
+            <a:spLocks noGrp="1"/>
+          </p:cNvSpPr>
+          <p:nvPr>
+            <p:ph type="body"/>
+          </p:nvPr>
+        </p:nvSpPr>
+        <p:spPr>
+          <a:xfrm>
+            <a:off x="3571560" y="1326600"/>
+            <a:ext cx="2921040" cy="1568520"/>
+          </a:xfrm>
+          <a:prstGeom prst="rect">
+            <a:avLst/>
+          </a:prstGeom>
+        </p:spPr>
+        <p:txBody>
+          <a:bodyPr lIns="0" rIns="0" tIns="0" bIns="0">
+            <a:normAutofit/>
+          </a:bodyPr>
+          <a:p>
+            <a:endParaRPr b="0" lang="en-US" sz="3200" spc="-1" strike="noStrike">
+              <a:latin typeface="Arial"/>
+            </a:endParaRPr>
+          </a:p>
+        </p:txBody>
+      </p:sp>
+      <p:sp>
+        <p:nvSpPr>
+          <p:cNvPr id="32" name="PlaceHolder 4"/>
+          <p:cNvSpPr>
+            <a:spLocks noGrp="1"/>
+          </p:cNvSpPr>
+          <p:nvPr>
+            <p:ph type="body"/>
+          </p:nvPr>
+        </p:nvSpPr>
+        <p:spPr>
+          <a:xfrm>
+            <a:off x="6639120" y="1326600"/>
+            <a:ext cx="2921040" cy="1568520"/>
+          </a:xfrm>
+          <a:prstGeom prst="rect">
+            <a:avLst/>
+          </a:prstGeom>
+        </p:spPr>
+        <p:txBody>
+          <a:bodyPr lIns="0" rIns="0" tIns="0" bIns="0">
+            <a:normAutofit/>
+          </a:bodyPr>
+          <a:p>
+            <a:endParaRPr b="0" lang="en-US" sz="3200" spc="-1" strike="noStrike">
+              <a:latin typeface="Arial"/>
+            </a:endParaRPr>
+          </a:p>
+        </p:txBody>
+      </p:sp>
+      <p:sp>
+        <p:nvSpPr>
+          <p:cNvPr id="33" name="PlaceHolder 5"/>
+          <p:cNvSpPr>
+            <a:spLocks noGrp="1"/>
+          </p:cNvSpPr>
+          <p:nvPr>
+            <p:ph type="body"/>
+          </p:nvPr>
+        </p:nvSpPr>
+        <p:spPr>
+          <a:xfrm>
+            <a:off x="504000" y="3044520"/>
+            <a:ext cx="2921040" cy="1568520"/>
+          </a:xfrm>
+          <a:prstGeom prst="rect">
+            <a:avLst/>
+          </a:prstGeom>
+        </p:spPr>
+        <p:txBody>
+          <a:bodyPr lIns="0" rIns="0" tIns="0" bIns="0">
+            <a:normAutofit/>
+          </a:bodyPr>
+          <a:p>
+            <a:endParaRPr b="0" lang="en-US" sz="3200" spc="-1" strike="noStrike">
+              <a:latin typeface="Arial"/>
+            </a:endParaRPr>
+          </a:p>
+        </p:txBody>
+      </p:sp>
+      <p:sp>
+        <p:nvSpPr>
+          <p:cNvPr id="34" name="PlaceHolder 6"/>
+          <p:cNvSpPr>
+            <a:spLocks noGrp="1"/>
+          </p:cNvSpPr>
+          <p:nvPr>
+            <p:ph type="body"/>
+          </p:nvPr>
+        </p:nvSpPr>
+        <p:spPr>
+          <a:xfrm>
+            <a:off x="3571560" y="3044520"/>
+            <a:ext cx="2921040" cy="1568520"/>
+          </a:xfrm>
+          <a:prstGeom prst="rect">
+            <a:avLst/>
+          </a:prstGeom>
+        </p:spPr>
+        <p:txBody>
+          <a:bodyPr lIns="0" rIns="0" tIns="0" bIns="0">
+            <a:normAutofit/>
+          </a:bodyPr>
+          <a:p>
+            <a:endParaRPr b="0" lang="en-US" sz="3200" spc="-1" strike="noStrike">
+              <a:latin typeface="Arial"/>
+            </a:endParaRPr>
+          </a:p>
+        </p:txBody>
+      </p:sp>
+      <p:sp>
+        <p:nvSpPr>
+          <p:cNvPr id="35" name="PlaceHolder 7"/>
+          <p:cNvSpPr>
+            <a:spLocks noGrp="1"/>
+          </p:cNvSpPr>
+          <p:nvPr>
+            <p:ph type="body"/>
+          </p:nvPr>
+        </p:nvSpPr>
+        <p:spPr>
+          <a:xfrm>
+            <a:off x="6639120" y="3044520"/>
+            <a:ext cx="2921040" cy="1568520"/>
           </a:xfrm>
           <a:prstGeom prst="rect">
             <a:avLst/>
@@ -566,7 +566,7 @@
       </p:grpSpPr>
       <p:sp>
         <p:nvSpPr>
-          <p:cNvPr id="2" name="PlaceHolder 1"/>
+          <p:cNvPr id="0" name="PlaceHolder 1"/>
           <p:cNvSpPr>
             <a:spLocks noGrp="1"/>
           </p:cNvSpPr>
@@ -577,7 +577,7 @@
         <p:spPr>
           <a:xfrm>
             <a:off x="504000" y="226080"/>
-            <a:ext cx="9070920" cy="945720"/>
+            <a:ext cx="9072000" cy="946440"/>
           </a:xfrm>
           <a:prstGeom prst="rect">
             <a:avLst/>
@@ -595,7 +595,7 @@
       </p:sp>
       <p:sp>
         <p:nvSpPr>
-          <p:cNvPr id="3" name="PlaceHolder 2"/>
+          <p:cNvPr id="1" name="PlaceHolder 2"/>
           <p:cNvSpPr>
             <a:spLocks noGrp="1"/>
           </p:cNvSpPr>
@@ -606,7 +606,7 @@
         <p:spPr>
           <a:xfrm>
             <a:off x="504000" y="1326600"/>
-            <a:ext cx="9071640" cy="3288240"/>
+            <a:ext cx="9072000" cy="3288600"/>
           </a:xfrm>
           <a:prstGeom prst="rect">
             <a:avLst/>
@@ -646,7 +646,7 @@
       </p:grpSpPr>
       <p:sp>
         <p:nvSpPr>
-          <p:cNvPr id="4" name="PlaceHolder 1"/>
+          <p:cNvPr id="2" name="PlaceHolder 1"/>
           <p:cNvSpPr>
             <a:spLocks noGrp="1"/>
           </p:cNvSpPr>
@@ -657,7 +657,7 @@
         <p:spPr>
           <a:xfrm>
             <a:off x="504000" y="226080"/>
-            <a:ext cx="9070920" cy="945720"/>
+            <a:ext cx="9072000" cy="946440"/>
           </a:xfrm>
           <a:prstGeom prst="rect">
             <a:avLst/>
@@ -675,7 +675,7 @@
       </p:sp>
       <p:sp>
         <p:nvSpPr>
-          <p:cNvPr id="5" name="PlaceHolder 2"/>
+          <p:cNvPr id="3" name="PlaceHolder 2"/>
           <p:cNvSpPr>
             <a:spLocks noGrp="1"/>
           </p:cNvSpPr>
@@ -686,7 +686,7 @@
         <p:spPr>
           <a:xfrm>
             <a:off x="504000" y="1326600"/>
-            <a:ext cx="9071640" cy="3288240"/>
+            <a:ext cx="9072000" cy="3288600"/>
           </a:xfrm>
           <a:prstGeom prst="rect">
             <a:avLst/>
@@ -727,7 +727,7 @@
       </p:grpSpPr>
       <p:sp>
         <p:nvSpPr>
-          <p:cNvPr id="6" name="PlaceHolder 1"/>
+          <p:cNvPr id="4" name="PlaceHolder 1"/>
           <p:cNvSpPr>
             <a:spLocks noGrp="1"/>
           </p:cNvSpPr>
@@ -738,7 +738,7 @@
         <p:spPr>
           <a:xfrm>
             <a:off x="504000" y="226080"/>
-            <a:ext cx="9070920" cy="945720"/>
+            <a:ext cx="9072000" cy="946440"/>
           </a:xfrm>
           <a:prstGeom prst="rect">
             <a:avLst/>
@@ -756,7 +756,7 @@
       </p:sp>
       <p:sp>
         <p:nvSpPr>
-          <p:cNvPr id="7" name="PlaceHolder 2"/>
+          <p:cNvPr id="5" name="PlaceHolder 2"/>
           <p:cNvSpPr>
             <a:spLocks noGrp="1"/>
           </p:cNvSpPr>
@@ -767,26 +767,26 @@
         <p:spPr>
           <a:xfrm>
             <a:off x="504000" y="1326600"/>
-            <a:ext cx="4426920" cy="3288240"/>
-          </a:xfrm>
-          <a:prstGeom prst="rect">
-            <a:avLst/>
-          </a:prstGeom>
-        </p:spPr>
-        <p:txBody>
-          <a:bodyPr lIns="0" rIns="0" tIns="0" bIns="0">
-            <a:normAutofit/>
-          </a:bodyPr>
-          <a:p>
-            <a:endParaRPr b="0" lang="en-US" sz="3200" spc="-1" strike="noStrike">
-              <a:latin typeface="Arial"/>
-            </a:endParaRPr>
-          </a:p>
-        </p:txBody>
-      </p:sp>
-      <p:sp>
-        <p:nvSpPr>
-          <p:cNvPr id="8" name="PlaceHolder 3"/>
+            <a:ext cx="4426920" cy="3288600"/>
+          </a:xfrm>
+          <a:prstGeom prst="rect">
+            <a:avLst/>
+          </a:prstGeom>
+        </p:spPr>
+        <p:txBody>
+          <a:bodyPr lIns="0" rIns="0" tIns="0" bIns="0">
+            <a:normAutofit/>
+          </a:bodyPr>
+          <a:p>
+            <a:endParaRPr b="0" lang="en-US" sz="3200" spc="-1" strike="noStrike">
+              <a:latin typeface="Arial"/>
+            </a:endParaRPr>
+          </a:p>
+        </p:txBody>
+      </p:sp>
+      <p:sp>
+        <p:nvSpPr>
+          <p:cNvPr id="6" name="PlaceHolder 3"/>
           <p:cNvSpPr>
             <a:spLocks noGrp="1"/>
           </p:cNvSpPr>
@@ -797,7 +797,7 @@
         <p:spPr>
           <a:xfrm>
             <a:off x="5152680" y="1326600"/>
-            <a:ext cx="4426920" cy="3288240"/>
+            <a:ext cx="4426920" cy="3288600"/>
           </a:xfrm>
           <a:prstGeom prst="rect">
             <a:avLst/>
@@ -838,7 +838,7 @@
       </p:grpSpPr>
       <p:sp>
         <p:nvSpPr>
-          <p:cNvPr id="9" name="PlaceHolder 1"/>
+          <p:cNvPr id="7" name="PlaceHolder 1"/>
           <p:cNvSpPr>
             <a:spLocks noGrp="1"/>
           </p:cNvSpPr>
@@ -849,7 +849,7 @@
         <p:spPr>
           <a:xfrm>
             <a:off x="504000" y="226080"/>
-            <a:ext cx="9070920" cy="945720"/>
+            <a:ext cx="9072000" cy="946440"/>
           </a:xfrm>
           <a:prstGeom prst="rect">
             <a:avLst/>
@@ -889,7 +889,7 @@
       </p:grpSpPr>
       <p:sp>
         <p:nvSpPr>
-          <p:cNvPr id="10" name="PlaceHolder 1"/>
+          <p:cNvPr id="8" name="PlaceHolder 1"/>
           <p:cNvSpPr>
             <a:spLocks noGrp="1"/>
           </p:cNvSpPr>
@@ -900,7 +900,7 @@
         <p:spPr>
           <a:xfrm>
             <a:off x="504000" y="226080"/>
-            <a:ext cx="9070920" cy="4385160"/>
+            <a:ext cx="9072000" cy="4388400"/>
           </a:xfrm>
           <a:prstGeom prst="rect">
             <a:avLst/>
@@ -940,7 +940,7 @@
       </p:grpSpPr>
       <p:sp>
         <p:nvSpPr>
-          <p:cNvPr id="11" name="PlaceHolder 1"/>
+          <p:cNvPr id="9" name="PlaceHolder 1"/>
           <p:cNvSpPr>
             <a:spLocks noGrp="1"/>
           </p:cNvSpPr>
@@ -951,7 +951,7 @@
         <p:spPr>
           <a:xfrm>
             <a:off x="504000" y="226080"/>
-            <a:ext cx="9070920" cy="945720"/>
+            <a:ext cx="9072000" cy="946440"/>
           </a:xfrm>
           <a:prstGeom prst="rect">
             <a:avLst/>
@@ -969,7 +969,7 @@
       </p:sp>
       <p:sp>
         <p:nvSpPr>
-          <p:cNvPr id="12" name="PlaceHolder 2"/>
+          <p:cNvPr id="10" name="PlaceHolder 2"/>
           <p:cNvSpPr>
             <a:spLocks noGrp="1"/>
           </p:cNvSpPr>
@@ -980,26 +980,26 @@
         <p:spPr>
           <a:xfrm>
             <a:off x="504000" y="1326600"/>
-            <a:ext cx="4426920" cy="1568160"/>
-          </a:xfrm>
-          <a:prstGeom prst="rect">
-            <a:avLst/>
-          </a:prstGeom>
-        </p:spPr>
-        <p:txBody>
-          <a:bodyPr lIns="0" rIns="0" tIns="0" bIns="0">
-            <a:normAutofit/>
-          </a:bodyPr>
-          <a:p>
-            <a:endParaRPr b="0" lang="en-US" sz="3200" spc="-1" strike="noStrike">
-              <a:latin typeface="Arial"/>
-            </a:endParaRPr>
-          </a:p>
-        </p:txBody>
-      </p:sp>
-      <p:sp>
-        <p:nvSpPr>
-          <p:cNvPr id="13" name="PlaceHolder 3"/>
+            <a:ext cx="4426920" cy="1568520"/>
+          </a:xfrm>
+          <a:prstGeom prst="rect">
+            <a:avLst/>
+          </a:prstGeom>
+        </p:spPr>
+        <p:txBody>
+          <a:bodyPr lIns="0" rIns="0" tIns="0" bIns="0">
+            <a:normAutofit/>
+          </a:bodyPr>
+          <a:p>
+            <a:endParaRPr b="0" lang="en-US" sz="3200" spc="-1" strike="noStrike">
+              <a:latin typeface="Arial"/>
+            </a:endParaRPr>
+          </a:p>
+        </p:txBody>
+      </p:sp>
+      <p:sp>
+        <p:nvSpPr>
+          <p:cNvPr id="11" name="PlaceHolder 3"/>
           <p:cNvSpPr>
             <a:spLocks noGrp="1"/>
           </p:cNvSpPr>
@@ -1010,37 +1010,37 @@
         <p:spPr>
           <a:xfrm>
             <a:off x="5152680" y="1326600"/>
-            <a:ext cx="4426920" cy="3288240"/>
-          </a:xfrm>
-          <a:prstGeom prst="rect">
-            <a:avLst/>
-          </a:prstGeom>
-        </p:spPr>
-        <p:txBody>
-          <a:bodyPr lIns="0" rIns="0" tIns="0" bIns="0">
-            <a:normAutofit/>
-          </a:bodyPr>
-          <a:p>
-            <a:endParaRPr b="0" lang="en-US" sz="3200" spc="-1" strike="noStrike">
-              <a:latin typeface="Arial"/>
-            </a:endParaRPr>
-          </a:p>
-        </p:txBody>
-      </p:sp>
-      <p:sp>
-        <p:nvSpPr>
-          <p:cNvPr id="14" name="PlaceHolder 4"/>
-          <p:cNvSpPr>
-            <a:spLocks noGrp="1"/>
-          </p:cNvSpPr>
-          <p:nvPr>
-            <p:ph type="body"/>
-          </p:nvPr>
-        </p:nvSpPr>
-        <p:spPr>
-          <a:xfrm>
-            <a:off x="504000" y="3044160"/>
-            <a:ext cx="4426920" cy="1568160"/>
+            <a:ext cx="4426920" cy="3288600"/>
+          </a:xfrm>
+          <a:prstGeom prst="rect">
+            <a:avLst/>
+          </a:prstGeom>
+        </p:spPr>
+        <p:txBody>
+          <a:bodyPr lIns="0" rIns="0" tIns="0" bIns="0">
+            <a:normAutofit/>
+          </a:bodyPr>
+          <a:p>
+            <a:endParaRPr b="0" lang="en-US" sz="3200" spc="-1" strike="noStrike">
+              <a:latin typeface="Arial"/>
+            </a:endParaRPr>
+          </a:p>
+        </p:txBody>
+      </p:sp>
+      <p:sp>
+        <p:nvSpPr>
+          <p:cNvPr id="12" name="PlaceHolder 4"/>
+          <p:cNvSpPr>
+            <a:spLocks noGrp="1"/>
+          </p:cNvSpPr>
+          <p:nvPr>
+            <p:ph type="body"/>
+          </p:nvPr>
+        </p:nvSpPr>
+        <p:spPr>
+          <a:xfrm>
+            <a:off x="504000" y="3044520"/>
+            <a:ext cx="4426920" cy="1568520"/>
           </a:xfrm>
           <a:prstGeom prst="rect">
             <a:avLst/>
@@ -1081,7 +1081,7 @@
       </p:grpSpPr>
       <p:sp>
         <p:nvSpPr>
-          <p:cNvPr id="15" name="PlaceHolder 1"/>
+          <p:cNvPr id="13" name="PlaceHolder 1"/>
           <p:cNvSpPr>
             <a:spLocks noGrp="1"/>
           </p:cNvSpPr>
@@ -1092,7 +1092,7 @@
         <p:spPr>
           <a:xfrm>
             <a:off x="504000" y="226080"/>
-            <a:ext cx="9070920" cy="945720"/>
+            <a:ext cx="9072000" cy="946440"/>
           </a:xfrm>
           <a:prstGeom prst="rect">
             <a:avLst/>
@@ -1110,7 +1110,7 @@
       </p:sp>
       <p:sp>
         <p:nvSpPr>
-          <p:cNvPr id="16" name="PlaceHolder 2"/>
+          <p:cNvPr id="14" name="PlaceHolder 2"/>
           <p:cNvSpPr>
             <a:spLocks noGrp="1"/>
           </p:cNvSpPr>
@@ -1121,26 +1121,26 @@
         <p:spPr>
           <a:xfrm>
             <a:off x="504000" y="1326600"/>
-            <a:ext cx="4426920" cy="3288240"/>
-          </a:xfrm>
-          <a:prstGeom prst="rect">
-            <a:avLst/>
-          </a:prstGeom>
-        </p:spPr>
-        <p:txBody>
-          <a:bodyPr lIns="0" rIns="0" tIns="0" bIns="0">
-            <a:normAutofit/>
-          </a:bodyPr>
-          <a:p>
-            <a:endParaRPr b="0" lang="en-US" sz="3200" spc="-1" strike="noStrike">
-              <a:latin typeface="Arial"/>
-            </a:endParaRPr>
-          </a:p>
-        </p:txBody>
-      </p:sp>
-      <p:sp>
-        <p:nvSpPr>
-          <p:cNvPr id="17" name="PlaceHolder 3"/>
+            <a:ext cx="4426920" cy="3288600"/>
+          </a:xfrm>
+          <a:prstGeom prst="rect">
+            <a:avLst/>
+          </a:prstGeom>
+        </p:spPr>
+        <p:txBody>
+          <a:bodyPr lIns="0" rIns="0" tIns="0" bIns="0">
+            <a:normAutofit/>
+          </a:bodyPr>
+          <a:p>
+            <a:endParaRPr b="0" lang="en-US" sz="3200" spc="-1" strike="noStrike">
+              <a:latin typeface="Arial"/>
+            </a:endParaRPr>
+          </a:p>
+        </p:txBody>
+      </p:sp>
+      <p:sp>
+        <p:nvSpPr>
+          <p:cNvPr id="15" name="PlaceHolder 3"/>
           <p:cNvSpPr>
             <a:spLocks noGrp="1"/>
           </p:cNvSpPr>
@@ -1151,37 +1151,37 @@
         <p:spPr>
           <a:xfrm>
             <a:off x="5152680" y="1326600"/>
-            <a:ext cx="4426920" cy="1568160"/>
-          </a:xfrm>
-          <a:prstGeom prst="rect">
-            <a:avLst/>
-          </a:prstGeom>
-        </p:spPr>
-        <p:txBody>
-          <a:bodyPr lIns="0" rIns="0" tIns="0" bIns="0">
-            <a:normAutofit/>
-          </a:bodyPr>
-          <a:p>
-            <a:endParaRPr b="0" lang="en-US" sz="3200" spc="-1" strike="noStrike">
-              <a:latin typeface="Arial"/>
-            </a:endParaRPr>
-          </a:p>
-        </p:txBody>
-      </p:sp>
-      <p:sp>
-        <p:nvSpPr>
-          <p:cNvPr id="18" name="PlaceHolder 4"/>
-          <p:cNvSpPr>
-            <a:spLocks noGrp="1"/>
-          </p:cNvSpPr>
-          <p:nvPr>
-            <p:ph type="body"/>
-          </p:nvPr>
-        </p:nvSpPr>
-        <p:spPr>
-          <a:xfrm>
-            <a:off x="5152680" y="3044160"/>
-            <a:ext cx="4426920" cy="1568160"/>
+            <a:ext cx="4426920" cy="1568520"/>
+          </a:xfrm>
+          <a:prstGeom prst="rect">
+            <a:avLst/>
+          </a:prstGeom>
+        </p:spPr>
+        <p:txBody>
+          <a:bodyPr lIns="0" rIns="0" tIns="0" bIns="0">
+            <a:normAutofit/>
+          </a:bodyPr>
+          <a:p>
+            <a:endParaRPr b="0" lang="en-US" sz="3200" spc="-1" strike="noStrike">
+              <a:latin typeface="Arial"/>
+            </a:endParaRPr>
+          </a:p>
+        </p:txBody>
+      </p:sp>
+      <p:sp>
+        <p:nvSpPr>
+          <p:cNvPr id="16" name="PlaceHolder 4"/>
+          <p:cNvSpPr>
+            <a:spLocks noGrp="1"/>
+          </p:cNvSpPr>
+          <p:nvPr>
+            <p:ph type="body"/>
+          </p:nvPr>
+        </p:nvSpPr>
+        <p:spPr>
+          <a:xfrm>
+            <a:off x="5152680" y="3044520"/>
+            <a:ext cx="4426920" cy="1568520"/>
           </a:xfrm>
           <a:prstGeom prst="rect">
             <a:avLst/>
@@ -1222,7 +1222,7 @@
       </p:grpSpPr>
       <p:sp>
         <p:nvSpPr>
-          <p:cNvPr id="19" name="PlaceHolder 1"/>
+          <p:cNvPr id="17" name="PlaceHolder 1"/>
           <p:cNvSpPr>
             <a:spLocks noGrp="1"/>
           </p:cNvSpPr>
@@ -1233,7 +1233,7 @@
         <p:spPr>
           <a:xfrm>
             <a:off x="504000" y="226080"/>
-            <a:ext cx="9070920" cy="945720"/>
+            <a:ext cx="9072000" cy="946440"/>
           </a:xfrm>
           <a:prstGeom prst="rect">
             <a:avLst/>
@@ -1251,7 +1251,7 @@
       </p:sp>
       <p:sp>
         <p:nvSpPr>
-          <p:cNvPr id="20" name="PlaceHolder 2"/>
+          <p:cNvPr id="18" name="PlaceHolder 2"/>
           <p:cNvSpPr>
             <a:spLocks noGrp="1"/>
           </p:cNvSpPr>
@@ -1262,26 +1262,26 @@
         <p:spPr>
           <a:xfrm>
             <a:off x="504000" y="1326600"/>
-            <a:ext cx="4426920" cy="1568160"/>
-          </a:xfrm>
-          <a:prstGeom prst="rect">
-            <a:avLst/>
-          </a:prstGeom>
-        </p:spPr>
-        <p:txBody>
-          <a:bodyPr lIns="0" rIns="0" tIns="0" bIns="0">
-            <a:normAutofit/>
-          </a:bodyPr>
-          <a:p>
-            <a:endParaRPr b="0" lang="en-US" sz="3200" spc="-1" strike="noStrike">
-              <a:latin typeface="Arial"/>
-            </a:endParaRPr>
-          </a:p>
-        </p:txBody>
-      </p:sp>
-      <p:sp>
-        <p:nvSpPr>
-          <p:cNvPr id="21" name="PlaceHolder 3"/>
+            <a:ext cx="4426920" cy="1568520"/>
+          </a:xfrm>
+          <a:prstGeom prst="rect">
+            <a:avLst/>
+          </a:prstGeom>
+        </p:spPr>
+        <p:txBody>
+          <a:bodyPr lIns="0" rIns="0" tIns="0" bIns="0">
+            <a:normAutofit/>
+          </a:bodyPr>
+          <a:p>
+            <a:endParaRPr b="0" lang="en-US" sz="3200" spc="-1" strike="noStrike">
+              <a:latin typeface="Arial"/>
+            </a:endParaRPr>
+          </a:p>
+        </p:txBody>
+      </p:sp>
+      <p:sp>
+        <p:nvSpPr>
+          <p:cNvPr id="19" name="PlaceHolder 3"/>
           <p:cNvSpPr>
             <a:spLocks noGrp="1"/>
           </p:cNvSpPr>
@@ -1292,37 +1292,37 @@
         <p:spPr>
           <a:xfrm>
             <a:off x="5152680" y="1326600"/>
-            <a:ext cx="4426920" cy="1568160"/>
-          </a:xfrm>
-          <a:prstGeom prst="rect">
-            <a:avLst/>
-          </a:prstGeom>
-        </p:spPr>
-        <p:txBody>
-          <a:bodyPr lIns="0" rIns="0" tIns="0" bIns="0">
-            <a:normAutofit/>
-          </a:bodyPr>
-          <a:p>
-            <a:endParaRPr b="0" lang="en-US" sz="3200" spc="-1" strike="noStrike">
-              <a:latin typeface="Arial"/>
-            </a:endParaRPr>
-          </a:p>
-        </p:txBody>
-      </p:sp>
-      <p:sp>
-        <p:nvSpPr>
-          <p:cNvPr id="22" name="PlaceHolder 4"/>
-          <p:cNvSpPr>
-            <a:spLocks noGrp="1"/>
-          </p:cNvSpPr>
-          <p:nvPr>
-            <p:ph type="body"/>
-          </p:nvPr>
-        </p:nvSpPr>
-        <p:spPr>
-          <a:xfrm>
-            <a:off x="504000" y="3044160"/>
-            <a:ext cx="9071640" cy="1568160"/>
+            <a:ext cx="4426920" cy="1568520"/>
+          </a:xfrm>
+          <a:prstGeom prst="rect">
+            <a:avLst/>
+          </a:prstGeom>
+        </p:spPr>
+        <p:txBody>
+          <a:bodyPr lIns="0" rIns="0" tIns="0" bIns="0">
+            <a:normAutofit/>
+          </a:bodyPr>
+          <a:p>
+            <a:endParaRPr b="0" lang="en-US" sz="3200" spc="-1" strike="noStrike">
+              <a:latin typeface="Arial"/>
+            </a:endParaRPr>
+          </a:p>
+        </p:txBody>
+      </p:sp>
+      <p:sp>
+        <p:nvSpPr>
+          <p:cNvPr id="20" name="PlaceHolder 4"/>
+          <p:cNvSpPr>
+            <a:spLocks noGrp="1"/>
+          </p:cNvSpPr>
+          <p:nvPr>
+            <p:ph type="body"/>
+          </p:nvPr>
+        </p:nvSpPr>
+        <p:spPr>
+          <a:xfrm>
+            <a:off x="504000" y="3044520"/>
+            <a:ext cx="9072000" cy="1568520"/>
           </a:xfrm>
           <a:prstGeom prst="rect">
             <a:avLst/>
@@ -1361,219 +1361,6 @@
           <a:chExt cx="0" cy="0"/>
         </a:xfrm>
       </p:grpSpPr>
-      <p:sp>
-        <p:nvSpPr>
-          <p:cNvPr id="0" name="PlaceHolder 1"/>
-          <p:cNvSpPr>
-            <a:spLocks noGrp="1"/>
-          </p:cNvSpPr>
-          <p:nvPr>
-            <p:ph type="title"/>
-          </p:nvPr>
-        </p:nvSpPr>
-        <p:spPr>
-          <a:xfrm>
-            <a:off x="504000" y="226080"/>
-            <a:ext cx="9070920" cy="945720"/>
-          </a:xfrm>
-          <a:prstGeom prst="rect">
-            <a:avLst/>
-          </a:prstGeom>
-        </p:spPr>
-        <p:txBody>
-          <a:bodyPr lIns="0" rIns="0" tIns="0" bIns="0" anchor="ctr"/>
-          <a:p>
-            <a:r>
-              <a:rPr b="0" lang="en-US" sz="1800" spc="-1" strike="noStrike">
-                <a:latin typeface="Arial"/>
-              </a:rPr>
-              <a:t>Click to edit the title text format</a:t>
-            </a:r>
-            <a:endParaRPr b="0" lang="en-US" sz="1800" spc="-1" strike="noStrike">
-              <a:latin typeface="Arial"/>
-            </a:endParaRPr>
-          </a:p>
-        </p:txBody>
-      </p:sp>
-      <p:sp>
-        <p:nvSpPr>
-          <p:cNvPr id="1" name="PlaceHolder 2"/>
-          <p:cNvSpPr>
-            <a:spLocks noGrp="1"/>
-          </p:cNvSpPr>
-          <p:nvPr>
-            <p:ph type="body"/>
-          </p:nvPr>
-        </p:nvSpPr>
-        <p:spPr>
-          <a:xfrm>
-            <a:off x="504000" y="1326600"/>
-            <a:ext cx="9071640" cy="3288240"/>
-          </a:xfrm>
-          <a:prstGeom prst="rect">
-            <a:avLst/>
-          </a:prstGeom>
-        </p:spPr>
-        <p:txBody>
-          <a:bodyPr lIns="0" rIns="0" tIns="0" bIns="0">
-            <a:normAutofit/>
-          </a:bodyPr>
-          <a:p>
-            <a:pPr marL="432000" indent="-324000">
-              <a:spcBef>
-                <a:spcPts val="1417"/>
-              </a:spcBef>
-              <a:buClr>
-                <a:srgbClr val="000000"/>
-              </a:buClr>
-              <a:buSzPct val="45000"/>
-              <a:buFont typeface="Wingdings" charset="2"/>
-              <a:buChar char=""/>
-            </a:pPr>
-            <a:r>
-              <a:rPr b="0" lang="en-US" sz="1800" spc="-1" strike="noStrike">
-                <a:latin typeface="Arial"/>
-              </a:rPr>
-              <a:t>Click to edit the outline text format</a:t>
-            </a:r>
-            <a:endParaRPr b="0" lang="en-US" sz="1800" spc="-1" strike="noStrike">
-              <a:latin typeface="Arial"/>
-            </a:endParaRPr>
-          </a:p>
-          <a:p>
-            <a:pPr lvl="1" marL="864000" indent="-324000">
-              <a:spcBef>
-                <a:spcPts val="1134"/>
-              </a:spcBef>
-              <a:buClr>
-                <a:srgbClr val="000000"/>
-              </a:buClr>
-              <a:buSzPct val="75000"/>
-              <a:buFont typeface="Symbol" charset="2"/>
-              <a:buChar char=""/>
-            </a:pPr>
-            <a:r>
-              <a:rPr b="0" lang="en-US" sz="1800" spc="-1" strike="noStrike">
-                <a:latin typeface="Arial"/>
-              </a:rPr>
-              <a:t>Second Outline Level</a:t>
-            </a:r>
-            <a:endParaRPr b="0" lang="en-US" sz="1800" spc="-1" strike="noStrike">
-              <a:latin typeface="Arial"/>
-            </a:endParaRPr>
-          </a:p>
-          <a:p>
-            <a:pPr lvl="2" marL="1296000" indent="-288000">
-              <a:spcBef>
-                <a:spcPts val="850"/>
-              </a:spcBef>
-              <a:buClr>
-                <a:srgbClr val="000000"/>
-              </a:buClr>
-              <a:buSzPct val="45000"/>
-              <a:buFont typeface="Wingdings" charset="2"/>
-              <a:buChar char=""/>
-            </a:pPr>
-            <a:r>
-              <a:rPr b="0" lang="en-US" sz="1800" spc="-1" strike="noStrike">
-                <a:latin typeface="Arial"/>
-              </a:rPr>
-              <a:t>Third Outline Level</a:t>
-            </a:r>
-            <a:endParaRPr b="0" lang="en-US" sz="1800" spc="-1" strike="noStrike">
-              <a:latin typeface="Arial"/>
-            </a:endParaRPr>
-          </a:p>
-          <a:p>
-            <a:pPr lvl="3" marL="1728000" indent="-216000">
-              <a:spcBef>
-                <a:spcPts val="567"/>
-              </a:spcBef>
-              <a:buClr>
-                <a:srgbClr val="000000"/>
-              </a:buClr>
-              <a:buSzPct val="75000"/>
-              <a:buFont typeface="Symbol" charset="2"/>
-              <a:buChar char=""/>
-            </a:pPr>
-            <a:r>
-              <a:rPr b="0" lang="en-US" sz="1800" spc="-1" strike="noStrike">
-                <a:latin typeface="Arial"/>
-              </a:rPr>
-              <a:t>Fourth Outline Level</a:t>
-            </a:r>
-            <a:endParaRPr b="0" lang="en-US" sz="1800" spc="-1" strike="noStrike">
-              <a:latin typeface="Arial"/>
-            </a:endParaRPr>
-          </a:p>
-          <a:p>
-            <a:pPr lvl="4" marL="2160000" indent="-216000">
-              <a:spcBef>
-                <a:spcPts val="283"/>
-              </a:spcBef>
-              <a:buClr>
-                <a:srgbClr val="000000"/>
-              </a:buClr>
-              <a:buSzPct val="45000"/>
-              <a:buFont typeface="Wingdings" charset="2"/>
-              <a:buChar char=""/>
-            </a:pPr>
-            <a:r>
-              <a:rPr b="0" lang="en-US" sz="1800" spc="-1" strike="noStrike">
-                <a:latin typeface="Arial"/>
-              </a:rPr>
-              <a:t>Fifth Outline Level</a:t>
-            </a:r>
-            <a:endParaRPr b="0" lang="en-US" sz="1800" spc="-1" strike="noStrike">
-              <a:latin typeface="Arial"/>
-            </a:endParaRPr>
-          </a:p>
-          <a:p>
-            <a:pPr lvl="5" marL="2592000" indent="-216000">
-              <a:spcBef>
-                <a:spcPts val="283"/>
-              </a:spcBef>
-              <a:buClr>
-                <a:srgbClr val="000000"/>
-              </a:buClr>
-              <a:buSzPct val="45000"/>
-              <a:buFont typeface="Wingdings" charset="2"/>
-              <a:buChar char=""/>
-            </a:pPr>
-            <a:r>
-              <a:rPr b="0" lang="en-US" sz="1800" spc="-1" strike="noStrike">
-                <a:latin typeface="Arial"/>
-              </a:rPr>
-              <a:t>Sixth Outline Level</a:t>
-            </a:r>
-            <a:endParaRPr b="0" lang="en-US" sz="1800" spc="-1" strike="noStrike">
-              <a:latin typeface="Arial"/>
-            </a:endParaRPr>
-          </a:p>
-          <a:p>
-            <a:pPr lvl="6" marL="3024000" indent="-216000">
-              <a:spcBef>
-                <a:spcPts val="283"/>
-              </a:spcBef>
-              <a:buClr>
-                <a:srgbClr val="000000"/>
-              </a:buClr>
-              <a:buSzPct val="45000"/>
-              <a:buFont typeface="Wingdings" charset="2"/>
-              <a:buChar char=""/>
-            </a:pPr>
-            <a:r>
-              <a:rPr b="0" lang="en-US" sz="1800" spc="-1" strike="noStrike">
-                <a:latin typeface="Arial"/>
-              </a:rPr>
-              <a:t>Seventh Outline Level</a:t>
-            </a:r>
-            <a:endParaRPr b="0" lang="en-US" sz="1800" spc="-1" strike="noStrike">
-              <a:latin typeface="Arial"/>
-            </a:endParaRPr>
-          </a:p>
-        </p:txBody>
-      </p:sp>
     </p:spTree>
   </p:cSld>
   <p:clrMap bg1="lt1" bg2="lt2" tx1="dk1" tx2="dk2" accent1="accent1" accent2="accent2" accent3="accent3" accent4="accent4" accent5="accent5" accent6="accent6" hlink="hlink" folHlink="folHlink"/>
@@ -1613,14 +1400,14 @@
       </p:grpSpPr>
       <p:sp>
         <p:nvSpPr>
-          <p:cNvPr id="38" name="CustomShape 1"/>
+          <p:cNvPr id="36" name="CustomShape 1"/>
           <p:cNvSpPr/>
           <p:nvPr/>
         </p:nvSpPr>
         <p:spPr>
           <a:xfrm>
             <a:off x="1188720" y="274320"/>
-            <a:ext cx="2010960" cy="2102400"/>
+            <a:ext cx="2010240" cy="2101680"/>
           </a:xfrm>
           <a:prstGeom prst="rect">
             <a:avLst/>
@@ -1666,14 +1453,14 @@
       </p:sp>
       <p:sp>
         <p:nvSpPr>
-          <p:cNvPr id="39" name="CustomShape 2"/>
+          <p:cNvPr id="37" name="CustomShape 2"/>
           <p:cNvSpPr/>
           <p:nvPr/>
         </p:nvSpPr>
         <p:spPr>
           <a:xfrm>
             <a:off x="4937760" y="3017520"/>
-            <a:ext cx="4388400" cy="2285280"/>
+            <a:ext cx="4387680" cy="2284560"/>
           </a:xfrm>
           <a:prstGeom prst="rect">
             <a:avLst/>
@@ -1719,14 +1506,14 @@
       </p:sp>
       <p:sp>
         <p:nvSpPr>
-          <p:cNvPr id="40" name="CustomShape 3"/>
+          <p:cNvPr id="38" name="CustomShape 3"/>
           <p:cNvSpPr/>
           <p:nvPr/>
         </p:nvSpPr>
         <p:spPr>
           <a:xfrm>
             <a:off x="7406640" y="182880"/>
-            <a:ext cx="2468160" cy="1736640"/>
+            <a:ext cx="2467440" cy="1735920"/>
           </a:xfrm>
           <a:prstGeom prst="rect">
             <a:avLst/>
@@ -1772,14 +1559,14 @@
       </p:sp>
       <p:sp>
         <p:nvSpPr>
-          <p:cNvPr id="41" name="CustomShape 4"/>
+          <p:cNvPr id="39" name="CustomShape 4"/>
           <p:cNvSpPr/>
           <p:nvPr/>
         </p:nvSpPr>
         <p:spPr>
           <a:xfrm>
             <a:off x="4114800" y="731520"/>
-            <a:ext cx="2834280" cy="1279800"/>
+            <a:ext cx="2833560" cy="1279080"/>
           </a:xfrm>
           <a:prstGeom prst="wedgeRoundRectCallout">
             <a:avLst>
@@ -1849,7 +1636,7 @@
       </p:sp>
       <p:pic>
         <p:nvPicPr>
-          <p:cNvPr id="42" name="" descr=""/>
+          <p:cNvPr id="40" name="" descr=""/>
           <p:cNvPicPr/>
           <p:nvPr/>
         </p:nvPicPr>
@@ -1860,7 +1647,7 @@
         <p:spPr>
           <a:xfrm>
             <a:off x="287280" y="3749040"/>
-            <a:ext cx="1724400" cy="1652760"/>
+            <a:ext cx="1723680" cy="1652040"/>
           </a:xfrm>
           <a:prstGeom prst="rect">
             <a:avLst/>
@@ -1870,6 +1657,51 @@
           </a:ln>
         </p:spPr>
       </p:pic>
+      <p:sp>
+        <p:nvSpPr>
+          <p:cNvPr id="41" name="CustomShape 5"/>
+          <p:cNvSpPr/>
+          <p:nvPr/>
+        </p:nvSpPr>
+        <p:spPr>
+          <a:xfrm>
+            <a:off x="365760" y="2651760"/>
+            <a:ext cx="2926080" cy="548640"/>
+          </a:xfrm>
+          <a:prstGeom prst="rect">
+            <a:avLst/>
+          </a:prstGeom>
+          <a:noFill/>
+          <a:ln>
+            <a:noFill/>
+          </a:ln>
+        </p:spPr>
+        <p:style>
+          <a:lnRef idx="0"/>
+          <a:fillRef idx="0"/>
+          <a:effectRef idx="0"/>
+          <a:fontRef idx="minor"/>
+        </p:style>
+        <p:txBody>
+          <a:bodyPr lIns="90000" rIns="90000" tIns="45000" bIns="45000"/>
+          <a:p>
+            <a:pPr>
+              <a:lnSpc>
+                <a:spcPct val="100000"/>
+              </a:lnSpc>
+            </a:pPr>
+            <a:r>
+              <a:rPr b="0" lang="en-US" sz="1800" spc="-1" strike="noStrike">
+                <a:latin typeface="Arial"/>
+              </a:rPr>
+              <a:t>This is the variable $[a]</a:t>
+            </a:r>
+            <a:endParaRPr b="0" lang="en-US" sz="1800" spc="-1" strike="noStrike">
+              <a:latin typeface="Arial"/>
+            </a:endParaRPr>
+          </a:p>
+        </p:txBody>
+      </p:sp>
     </p:spTree>
   </p:cSld>
   <p:timing>

--- a/examples/basic/test.pptx
+++ b/examples/basic/test.pptx
@@ -53,7 +53,7 @@
       </p:grpSpPr>
       <p:sp>
         <p:nvSpPr>
-          <p:cNvPr id="21" name="PlaceHolder 1"/>
+          <p:cNvPr id="23" name="PlaceHolder 1"/>
           <p:cNvSpPr>
             <a:spLocks noGrp="1"/>
           </p:cNvSpPr>
@@ -82,7 +82,7 @@
       </p:sp>
       <p:sp>
         <p:nvSpPr>
-          <p:cNvPr id="22" name="PlaceHolder 2"/>
+          <p:cNvPr id="24" name="PlaceHolder 2"/>
           <p:cNvSpPr>
             <a:spLocks noGrp="1"/>
           </p:cNvSpPr>
@@ -112,7 +112,7 @@
       </p:sp>
       <p:sp>
         <p:nvSpPr>
-          <p:cNvPr id="23" name="PlaceHolder 3"/>
+          <p:cNvPr id="25" name="PlaceHolder 3"/>
           <p:cNvSpPr>
             <a:spLocks noGrp="1"/>
           </p:cNvSpPr>
@@ -164,7 +164,7 @@
       </p:grpSpPr>
       <p:sp>
         <p:nvSpPr>
-          <p:cNvPr id="24" name="PlaceHolder 1"/>
+          <p:cNvPr id="26" name="PlaceHolder 1"/>
           <p:cNvSpPr>
             <a:spLocks noGrp="1"/>
           </p:cNvSpPr>
@@ -193,7 +193,7 @@
       </p:sp>
       <p:sp>
         <p:nvSpPr>
-          <p:cNvPr id="25" name="PlaceHolder 2"/>
+          <p:cNvPr id="27" name="PlaceHolder 2"/>
           <p:cNvSpPr>
             <a:spLocks noGrp="1"/>
           </p:cNvSpPr>
@@ -223,7 +223,7 @@
       </p:sp>
       <p:sp>
         <p:nvSpPr>
-          <p:cNvPr id="26" name="PlaceHolder 3"/>
+          <p:cNvPr id="28" name="PlaceHolder 3"/>
           <p:cNvSpPr>
             <a:spLocks noGrp="1"/>
           </p:cNvSpPr>
@@ -253,7 +253,7 @@
       </p:sp>
       <p:sp>
         <p:nvSpPr>
-          <p:cNvPr id="27" name="PlaceHolder 4"/>
+          <p:cNvPr id="29" name="PlaceHolder 4"/>
           <p:cNvSpPr>
             <a:spLocks noGrp="1"/>
           </p:cNvSpPr>
@@ -283,7 +283,7 @@
       </p:sp>
       <p:sp>
         <p:nvSpPr>
-          <p:cNvPr id="28" name="PlaceHolder 5"/>
+          <p:cNvPr id="30" name="PlaceHolder 5"/>
           <p:cNvSpPr>
             <a:spLocks noGrp="1"/>
           </p:cNvSpPr>
@@ -335,7 +335,7 @@
       </p:grpSpPr>
       <p:sp>
         <p:nvSpPr>
-          <p:cNvPr id="29" name="PlaceHolder 1"/>
+          <p:cNvPr id="31" name="PlaceHolder 1"/>
           <p:cNvSpPr>
             <a:spLocks noGrp="1"/>
           </p:cNvSpPr>
@@ -364,7 +364,7 @@
       </p:sp>
       <p:sp>
         <p:nvSpPr>
-          <p:cNvPr id="30" name="PlaceHolder 2"/>
+          <p:cNvPr id="32" name="PlaceHolder 2"/>
           <p:cNvSpPr>
             <a:spLocks noGrp="1"/>
           </p:cNvSpPr>
@@ -394,7 +394,7 @@
       </p:sp>
       <p:sp>
         <p:nvSpPr>
-          <p:cNvPr id="31" name="PlaceHolder 3"/>
+          <p:cNvPr id="33" name="PlaceHolder 3"/>
           <p:cNvSpPr>
             <a:spLocks noGrp="1"/>
           </p:cNvSpPr>
@@ -424,7 +424,7 @@
       </p:sp>
       <p:sp>
         <p:nvSpPr>
-          <p:cNvPr id="32" name="PlaceHolder 4"/>
+          <p:cNvPr id="34" name="PlaceHolder 4"/>
           <p:cNvSpPr>
             <a:spLocks noGrp="1"/>
           </p:cNvSpPr>
@@ -454,7 +454,7 @@
       </p:sp>
       <p:sp>
         <p:nvSpPr>
-          <p:cNvPr id="33" name="PlaceHolder 5"/>
+          <p:cNvPr id="35" name="PlaceHolder 5"/>
           <p:cNvSpPr>
             <a:spLocks noGrp="1"/>
           </p:cNvSpPr>
@@ -484,7 +484,7 @@
       </p:sp>
       <p:sp>
         <p:nvSpPr>
-          <p:cNvPr id="34" name="PlaceHolder 6"/>
+          <p:cNvPr id="36" name="PlaceHolder 6"/>
           <p:cNvSpPr>
             <a:spLocks noGrp="1"/>
           </p:cNvSpPr>
@@ -514,7 +514,7 @@
       </p:sp>
       <p:sp>
         <p:nvSpPr>
-          <p:cNvPr id="35" name="PlaceHolder 7"/>
+          <p:cNvPr id="37" name="PlaceHolder 7"/>
           <p:cNvSpPr>
             <a:spLocks noGrp="1"/>
           </p:cNvSpPr>
@@ -566,7 +566,7 @@
       </p:grpSpPr>
       <p:sp>
         <p:nvSpPr>
-          <p:cNvPr id="0" name="PlaceHolder 1"/>
+          <p:cNvPr id="2" name="PlaceHolder 1"/>
           <p:cNvSpPr>
             <a:spLocks noGrp="1"/>
           </p:cNvSpPr>
@@ -595,7 +595,7 @@
       </p:sp>
       <p:sp>
         <p:nvSpPr>
-          <p:cNvPr id="1" name="PlaceHolder 2"/>
+          <p:cNvPr id="3" name="PlaceHolder 2"/>
           <p:cNvSpPr>
             <a:spLocks noGrp="1"/>
           </p:cNvSpPr>
@@ -646,7 +646,7 @@
       </p:grpSpPr>
       <p:sp>
         <p:nvSpPr>
-          <p:cNvPr id="2" name="PlaceHolder 1"/>
+          <p:cNvPr id="4" name="PlaceHolder 1"/>
           <p:cNvSpPr>
             <a:spLocks noGrp="1"/>
           </p:cNvSpPr>
@@ -675,7 +675,7 @@
       </p:sp>
       <p:sp>
         <p:nvSpPr>
-          <p:cNvPr id="3" name="PlaceHolder 2"/>
+          <p:cNvPr id="5" name="PlaceHolder 2"/>
           <p:cNvSpPr>
             <a:spLocks noGrp="1"/>
           </p:cNvSpPr>
@@ -727,7 +727,7 @@
       </p:grpSpPr>
       <p:sp>
         <p:nvSpPr>
-          <p:cNvPr id="4" name="PlaceHolder 1"/>
+          <p:cNvPr id="6" name="PlaceHolder 1"/>
           <p:cNvSpPr>
             <a:spLocks noGrp="1"/>
           </p:cNvSpPr>
@@ -756,7 +756,7 @@
       </p:sp>
       <p:sp>
         <p:nvSpPr>
-          <p:cNvPr id="5" name="PlaceHolder 2"/>
+          <p:cNvPr id="7" name="PlaceHolder 2"/>
           <p:cNvSpPr>
             <a:spLocks noGrp="1"/>
           </p:cNvSpPr>
@@ -786,7 +786,7 @@
       </p:sp>
       <p:sp>
         <p:nvSpPr>
-          <p:cNvPr id="6" name="PlaceHolder 3"/>
+          <p:cNvPr id="8" name="PlaceHolder 3"/>
           <p:cNvSpPr>
             <a:spLocks noGrp="1"/>
           </p:cNvSpPr>
@@ -838,7 +838,7 @@
       </p:grpSpPr>
       <p:sp>
         <p:nvSpPr>
-          <p:cNvPr id="7" name="PlaceHolder 1"/>
+          <p:cNvPr id="9" name="PlaceHolder 1"/>
           <p:cNvSpPr>
             <a:spLocks noGrp="1"/>
           </p:cNvSpPr>
@@ -889,7 +889,7 @@
       </p:grpSpPr>
       <p:sp>
         <p:nvSpPr>
-          <p:cNvPr id="8" name="PlaceHolder 1"/>
+          <p:cNvPr id="10" name="PlaceHolder 1"/>
           <p:cNvSpPr>
             <a:spLocks noGrp="1"/>
           </p:cNvSpPr>
@@ -940,7 +940,7 @@
       </p:grpSpPr>
       <p:sp>
         <p:nvSpPr>
-          <p:cNvPr id="9" name="PlaceHolder 1"/>
+          <p:cNvPr id="11" name="PlaceHolder 1"/>
           <p:cNvSpPr>
             <a:spLocks noGrp="1"/>
           </p:cNvSpPr>
@@ -969,7 +969,7 @@
       </p:sp>
       <p:sp>
         <p:nvSpPr>
-          <p:cNvPr id="10" name="PlaceHolder 2"/>
+          <p:cNvPr id="12" name="PlaceHolder 2"/>
           <p:cNvSpPr>
             <a:spLocks noGrp="1"/>
           </p:cNvSpPr>
@@ -999,7 +999,7 @@
       </p:sp>
       <p:sp>
         <p:nvSpPr>
-          <p:cNvPr id="11" name="PlaceHolder 3"/>
+          <p:cNvPr id="13" name="PlaceHolder 3"/>
           <p:cNvSpPr>
             <a:spLocks noGrp="1"/>
           </p:cNvSpPr>
@@ -1029,7 +1029,7 @@
       </p:sp>
       <p:sp>
         <p:nvSpPr>
-          <p:cNvPr id="12" name="PlaceHolder 4"/>
+          <p:cNvPr id="14" name="PlaceHolder 4"/>
           <p:cNvSpPr>
             <a:spLocks noGrp="1"/>
           </p:cNvSpPr>
@@ -1081,7 +1081,7 @@
       </p:grpSpPr>
       <p:sp>
         <p:nvSpPr>
-          <p:cNvPr id="13" name="PlaceHolder 1"/>
+          <p:cNvPr id="15" name="PlaceHolder 1"/>
           <p:cNvSpPr>
             <a:spLocks noGrp="1"/>
           </p:cNvSpPr>
@@ -1110,7 +1110,7 @@
       </p:sp>
       <p:sp>
         <p:nvSpPr>
-          <p:cNvPr id="14" name="PlaceHolder 2"/>
+          <p:cNvPr id="16" name="PlaceHolder 2"/>
           <p:cNvSpPr>
             <a:spLocks noGrp="1"/>
           </p:cNvSpPr>
@@ -1140,7 +1140,7 @@
       </p:sp>
       <p:sp>
         <p:nvSpPr>
-          <p:cNvPr id="15" name="PlaceHolder 3"/>
+          <p:cNvPr id="17" name="PlaceHolder 3"/>
           <p:cNvSpPr>
             <a:spLocks noGrp="1"/>
           </p:cNvSpPr>
@@ -1170,7 +1170,7 @@
       </p:sp>
       <p:sp>
         <p:nvSpPr>
-          <p:cNvPr id="16" name="PlaceHolder 4"/>
+          <p:cNvPr id="18" name="PlaceHolder 4"/>
           <p:cNvSpPr>
             <a:spLocks noGrp="1"/>
           </p:cNvSpPr>
@@ -1222,7 +1222,7 @@
       </p:grpSpPr>
       <p:sp>
         <p:nvSpPr>
-          <p:cNvPr id="17" name="PlaceHolder 1"/>
+          <p:cNvPr id="19" name="PlaceHolder 1"/>
           <p:cNvSpPr>
             <a:spLocks noGrp="1"/>
           </p:cNvSpPr>
@@ -1251,7 +1251,7 @@
       </p:sp>
       <p:sp>
         <p:nvSpPr>
-          <p:cNvPr id="18" name="PlaceHolder 2"/>
+          <p:cNvPr id="20" name="PlaceHolder 2"/>
           <p:cNvSpPr>
             <a:spLocks noGrp="1"/>
           </p:cNvSpPr>
@@ -1281,7 +1281,7 @@
       </p:sp>
       <p:sp>
         <p:nvSpPr>
-          <p:cNvPr id="19" name="PlaceHolder 3"/>
+          <p:cNvPr id="21" name="PlaceHolder 3"/>
           <p:cNvSpPr>
             <a:spLocks noGrp="1"/>
           </p:cNvSpPr>
@@ -1311,7 +1311,7 @@
       </p:sp>
       <p:sp>
         <p:nvSpPr>
-          <p:cNvPr id="20" name="PlaceHolder 4"/>
+          <p:cNvPr id="22" name="PlaceHolder 4"/>
           <p:cNvSpPr>
             <a:spLocks noGrp="1"/>
           </p:cNvSpPr>
@@ -1361,6 +1361,220 @@
           <a:chExt cx="0" cy="0"/>
         </a:xfrm>
       </p:grpSpPr>
+      <p:sp>
+        <p:nvSpPr>
+          <p:cNvPr id="0" name="PlaceHolder 1"/>
+          <p:cNvSpPr>
+            <a:spLocks noGrp="1"/>
+          </p:cNvSpPr>
+          <p:nvPr>
+            <p:ph type="title"/>
+          </p:nvPr>
+        </p:nvSpPr>
+        <p:spPr>
+          <a:xfrm>
+            <a:off x="504000" y="226080"/>
+            <a:ext cx="9072000" cy="946440"/>
+          </a:xfrm>
+          <a:prstGeom prst="rect">
+            <a:avLst/>
+          </a:prstGeom>
+        </p:spPr>
+        <p:txBody>
+          <a:bodyPr lIns="0" rIns="0" tIns="0" bIns="0" anchor="ctr"/>
+          <a:p>
+            <a:pPr algn="ctr"/>
+            <a:r>
+              <a:rPr b="0" lang="en-US" sz="4400" spc="-1" strike="noStrike">
+                <a:latin typeface="Arial"/>
+              </a:rPr>
+              <a:t>Click to edit the title text format</a:t>
+            </a:r>
+            <a:endParaRPr b="0" lang="en-US" sz="4400" spc="-1" strike="noStrike">
+              <a:latin typeface="Arial"/>
+            </a:endParaRPr>
+          </a:p>
+        </p:txBody>
+      </p:sp>
+      <p:sp>
+        <p:nvSpPr>
+          <p:cNvPr id="1" name="PlaceHolder 2"/>
+          <p:cNvSpPr>
+            <a:spLocks noGrp="1"/>
+          </p:cNvSpPr>
+          <p:nvPr>
+            <p:ph type="body"/>
+          </p:nvPr>
+        </p:nvSpPr>
+        <p:spPr>
+          <a:xfrm>
+            <a:off x="504000" y="1326600"/>
+            <a:ext cx="9072000" cy="3288600"/>
+          </a:xfrm>
+          <a:prstGeom prst="rect">
+            <a:avLst/>
+          </a:prstGeom>
+        </p:spPr>
+        <p:txBody>
+          <a:bodyPr lIns="0" rIns="0" tIns="0" bIns="0">
+            <a:normAutofit/>
+          </a:bodyPr>
+          <a:p>
+            <a:pPr marL="432000" indent="-324000">
+              <a:spcBef>
+                <a:spcPts val="1417"/>
+              </a:spcBef>
+              <a:buClr>
+                <a:srgbClr val="000000"/>
+              </a:buClr>
+              <a:buSzPct val="45000"/>
+              <a:buFont typeface="Wingdings" charset="2"/>
+              <a:buChar char=""/>
+            </a:pPr>
+            <a:r>
+              <a:rPr b="0" lang="en-US" sz="3200" spc="-1" strike="noStrike">
+                <a:latin typeface="Arial"/>
+              </a:rPr>
+              <a:t>Click to edit the outline text format</a:t>
+            </a:r>
+            <a:endParaRPr b="0" lang="en-US" sz="3200" spc="-1" strike="noStrike">
+              <a:latin typeface="Arial"/>
+            </a:endParaRPr>
+          </a:p>
+          <a:p>
+            <a:pPr lvl="1" marL="864000" indent="-324000">
+              <a:spcBef>
+                <a:spcPts val="1134"/>
+              </a:spcBef>
+              <a:buClr>
+                <a:srgbClr val="000000"/>
+              </a:buClr>
+              <a:buSzPct val="75000"/>
+              <a:buFont typeface="Symbol" charset="2"/>
+              <a:buChar char=""/>
+            </a:pPr>
+            <a:r>
+              <a:rPr b="0" lang="en-US" sz="2800" spc="-1" strike="noStrike">
+                <a:latin typeface="Arial"/>
+              </a:rPr>
+              <a:t>Second Outline Level</a:t>
+            </a:r>
+            <a:endParaRPr b="0" lang="en-US" sz="2800" spc="-1" strike="noStrike">
+              <a:latin typeface="Arial"/>
+            </a:endParaRPr>
+          </a:p>
+          <a:p>
+            <a:pPr lvl="2" marL="1296000" indent="-288000">
+              <a:spcBef>
+                <a:spcPts val="850"/>
+              </a:spcBef>
+              <a:buClr>
+                <a:srgbClr val="000000"/>
+              </a:buClr>
+              <a:buSzPct val="45000"/>
+              <a:buFont typeface="Wingdings" charset="2"/>
+              <a:buChar char=""/>
+            </a:pPr>
+            <a:r>
+              <a:rPr b="0" lang="en-US" sz="2400" spc="-1" strike="noStrike">
+                <a:latin typeface="Arial"/>
+              </a:rPr>
+              <a:t>Third Outline Level</a:t>
+            </a:r>
+            <a:endParaRPr b="0" lang="en-US" sz="2400" spc="-1" strike="noStrike">
+              <a:latin typeface="Arial"/>
+            </a:endParaRPr>
+          </a:p>
+          <a:p>
+            <a:pPr lvl="3" marL="1728000" indent="-216000">
+              <a:spcBef>
+                <a:spcPts val="567"/>
+              </a:spcBef>
+              <a:buClr>
+                <a:srgbClr val="000000"/>
+              </a:buClr>
+              <a:buSzPct val="75000"/>
+              <a:buFont typeface="Symbol" charset="2"/>
+              <a:buChar char=""/>
+            </a:pPr>
+            <a:r>
+              <a:rPr b="0" lang="en-US" sz="2000" spc="-1" strike="noStrike">
+                <a:latin typeface="Arial"/>
+              </a:rPr>
+              <a:t>Fourth Outline Level</a:t>
+            </a:r>
+            <a:endParaRPr b="0" lang="en-US" sz="2000" spc="-1" strike="noStrike">
+              <a:latin typeface="Arial"/>
+            </a:endParaRPr>
+          </a:p>
+          <a:p>
+            <a:pPr lvl="4" marL="2160000" indent="-216000">
+              <a:spcBef>
+                <a:spcPts val="283"/>
+              </a:spcBef>
+              <a:buClr>
+                <a:srgbClr val="000000"/>
+              </a:buClr>
+              <a:buSzPct val="45000"/>
+              <a:buFont typeface="Wingdings" charset="2"/>
+              <a:buChar char=""/>
+            </a:pPr>
+            <a:r>
+              <a:rPr b="0" lang="en-US" sz="2000" spc="-1" strike="noStrike">
+                <a:latin typeface="Arial"/>
+              </a:rPr>
+              <a:t>Fifth Outline Level</a:t>
+            </a:r>
+            <a:endParaRPr b="0" lang="en-US" sz="2000" spc="-1" strike="noStrike">
+              <a:latin typeface="Arial"/>
+            </a:endParaRPr>
+          </a:p>
+          <a:p>
+            <a:pPr lvl="5" marL="2592000" indent="-216000">
+              <a:spcBef>
+                <a:spcPts val="283"/>
+              </a:spcBef>
+              <a:buClr>
+                <a:srgbClr val="000000"/>
+              </a:buClr>
+              <a:buSzPct val="45000"/>
+              <a:buFont typeface="Wingdings" charset="2"/>
+              <a:buChar char=""/>
+            </a:pPr>
+            <a:r>
+              <a:rPr b="0" lang="en-US" sz="2000" spc="-1" strike="noStrike">
+                <a:latin typeface="Arial"/>
+              </a:rPr>
+              <a:t>Sixth Outline Level</a:t>
+            </a:r>
+            <a:endParaRPr b="0" lang="en-US" sz="2000" spc="-1" strike="noStrike">
+              <a:latin typeface="Arial"/>
+            </a:endParaRPr>
+          </a:p>
+          <a:p>
+            <a:pPr lvl="6" marL="3024000" indent="-216000">
+              <a:spcBef>
+                <a:spcPts val="283"/>
+              </a:spcBef>
+              <a:buClr>
+                <a:srgbClr val="000000"/>
+              </a:buClr>
+              <a:buSzPct val="45000"/>
+              <a:buFont typeface="Wingdings" charset="2"/>
+              <a:buChar char=""/>
+            </a:pPr>
+            <a:r>
+              <a:rPr b="0" lang="en-US" sz="2000" spc="-1" strike="noStrike">
+                <a:latin typeface="Arial"/>
+              </a:rPr>
+              <a:t>Seventh Outline Level</a:t>
+            </a:r>
+            <a:endParaRPr b="0" lang="en-US" sz="2000" spc="-1" strike="noStrike">
+              <a:latin typeface="Arial"/>
+            </a:endParaRPr>
+          </a:p>
+        </p:txBody>
+      </p:sp>
     </p:spTree>
   </p:cSld>
   <p:clrMap bg1="lt1" bg2="lt2" tx1="dk1" tx2="dk2" accent1="accent1" accent2="accent2" accent3="accent3" accent4="accent4" accent5="accent5" accent6="accent6" hlink="hlink" folHlink="folHlink"/>
@@ -1400,7 +1614,7 @@
       </p:grpSpPr>
       <p:sp>
         <p:nvSpPr>
-          <p:cNvPr id="36" name="CustomShape 1"/>
+          <p:cNvPr id="38" name="CustomShape 1"/>
           <p:cNvSpPr/>
           <p:nvPr/>
         </p:nvSpPr>
@@ -1453,7 +1667,7 @@
       </p:sp>
       <p:sp>
         <p:nvSpPr>
-          <p:cNvPr id="37" name="CustomShape 2"/>
+          <p:cNvPr id="39" name="CustomShape 2"/>
           <p:cNvSpPr/>
           <p:nvPr/>
         </p:nvSpPr>
@@ -1506,7 +1720,7 @@
       </p:sp>
       <p:sp>
         <p:nvSpPr>
-          <p:cNvPr id="38" name="CustomShape 3"/>
+          <p:cNvPr id="40" name="CustomShape 3"/>
           <p:cNvSpPr/>
           <p:nvPr/>
         </p:nvSpPr>
@@ -1559,7 +1773,7 @@
       </p:sp>
       <p:sp>
         <p:nvSpPr>
-          <p:cNvPr id="39" name="CustomShape 4"/>
+          <p:cNvPr id="41" name="CustomShape 4"/>
           <p:cNvSpPr/>
           <p:nvPr/>
         </p:nvSpPr>
@@ -1636,7 +1850,7 @@
       </p:sp>
       <p:pic>
         <p:nvPicPr>
-          <p:cNvPr id="40" name="" descr=""/>
+          <p:cNvPr id="42" name="" descr=""/>
           <p:cNvPicPr/>
           <p:nvPr/>
         </p:nvPicPr>
@@ -1659,7 +1873,7 @@
       </p:pic>
       <p:sp>
         <p:nvSpPr>
-          <p:cNvPr id="41" name="CustomShape 5"/>
+          <p:cNvPr id="43" name="CustomShape 5"/>
           <p:cNvSpPr/>
           <p:nvPr/>
         </p:nvSpPr>
